--- a/Bloque 4 - Creación de la UI/Taller14 - Jerarquía de elementos visuales.pptx
+++ b/Bloque 4 - Creación de la UI/Taller14 - Jerarquía de elementos visuales.pptx
@@ -6,11 +6,14 @@
     <p:sldMasterId id="2147483793" r:id="rId2"/>
   </p:sldMasterIdLst>
   <p:notesMasterIdLst>
-    <p:notesMasterId r:id="rId5"/>
+    <p:notesMasterId r:id="rId8"/>
   </p:notesMasterIdLst>
   <p:sldIdLst>
     <p:sldId id="291" r:id="rId3"/>
-    <p:sldId id="282" r:id="rId4"/>
+    <p:sldId id="297" r:id="rId4"/>
+    <p:sldId id="2147469519" r:id="rId5"/>
+    <p:sldId id="2147469524" r:id="rId6"/>
+    <p:sldId id="282" r:id="rId7"/>
   </p:sldIdLst>
   <p:sldSz cx="12192000" cy="6858000"/>
   <p:notesSz cx="6858000" cy="9144000"/>
@@ -3449,7 +3452,7 @@
           <a:p>
             <a:fld id="{A334C884-B1D7-A043-A4AA-521744755A4B}" type="datetimeFigureOut">
               <a:rPr lang="en-US" smtClean="0"/>
-              <a:t>4/2/2022</a:t>
+              <a:t>5/15/2022</a:t>
             </a:fld>
             <a:endParaRPr lang="en-US"/>
           </a:p>
@@ -3835,7 +3838,7 @@
           <a:p>
             <a:fld id="{E74353ED-ACB2-44BF-A903-985B0AF962B7}" type="datetime1">
               <a:rPr lang="en-US" smtClean="0"/>
-              <a:t>4/2/2022</a:t>
+              <a:t>5/15/2022</a:t>
             </a:fld>
             <a:endParaRPr lang="en-US" dirty="0"/>
           </a:p>
@@ -3859,7 +3862,7 @@
             <a:fld id="{B4008EB6-D09E-4580-8CD6-DDB14511944F}" type="slidenum">
               <a:rPr lang="en-US" smtClean="0"/>
               <a:pPr/>
-              <a:t>2</a:t>
+              <a:t>5</a:t>
             </a:fld>
             <a:endParaRPr lang="en-US" dirty="0"/>
           </a:p>
@@ -6411,6 +6414,62 @@
 </file>
 
 <file path=ppt/slideLayouts/slideLayout16.xml><?xml version="1.0" encoding="utf-8"?>
+<p:sldLayout xmlns:a="http://schemas.openxmlformats.org/drawingml/2006/main" xmlns:r="http://schemas.openxmlformats.org/officeDocument/2006/relationships" xmlns:p="http://schemas.openxmlformats.org/presentationml/2006/main" userDrawn="1">
+  <p:cSld name="Title Only">
+    <p:spTree>
+      <p:nvGrpSpPr>
+        <p:cNvPr id="1" name=""/>
+        <p:cNvGrpSpPr/>
+        <p:nvPr/>
+      </p:nvGrpSpPr>
+      <p:grpSpPr>
+        <a:xfrm>
+          <a:off x="0" y="0"/>
+          <a:ext cx="0" cy="0"/>
+          <a:chOff x="0" y="0"/>
+          <a:chExt cx="0" cy="0"/>
+        </a:xfrm>
+      </p:grpSpPr>
+      <p:sp>
+        <p:nvSpPr>
+          <p:cNvPr id="2" name="Title 1"/>
+          <p:cNvSpPr>
+            <a:spLocks noGrp="1"/>
+          </p:cNvSpPr>
+          <p:nvPr>
+            <p:ph type="title"/>
+          </p:nvPr>
+        </p:nvSpPr>
+        <p:spPr/>
+        <p:txBody>
+          <a:bodyPr/>
+          <a:lstStyle/>
+          <a:p>
+            <a:r>
+              <a:rPr lang="en-US"/>
+              <a:t>Click to edit Master title style</a:t>
+            </a:r>
+            <a:endParaRPr lang="en-US" dirty="0"/>
+          </a:p>
+        </p:txBody>
+      </p:sp>
+    </p:spTree>
+    <p:extLst>
+      <p:ext uri="{BB962C8B-B14F-4D97-AF65-F5344CB8AC3E}">
+        <p14:creationId xmlns:p14="http://schemas.microsoft.com/office/powerpoint/2010/main" val="311372171"/>
+      </p:ext>
+    </p:extLst>
+  </p:cSld>
+  <p:clrMapOvr>
+    <a:masterClrMapping/>
+  </p:clrMapOvr>
+  <p:transition>
+    <p:fade/>
+  </p:transition>
+</p:sldLayout>
+</file>
+
+<file path=ppt/slideLayouts/slideLayout17.xml><?xml version="1.0" encoding="utf-8"?>
 <p:sldLayout xmlns:a="http://schemas.openxmlformats.org/drawingml/2006/main" xmlns:r="http://schemas.openxmlformats.org/officeDocument/2006/relationships" xmlns:p="http://schemas.openxmlformats.org/presentationml/2006/main" type="title" preserve="1">
   <p:cSld name="Title Slide">
     <p:spTree>
@@ -6557,7 +6616,7 @@
           <a:p>
             <a:fld id="{0A627400-D089-7447-864B-77479EBD4214}" type="datetimeFigureOut">
               <a:rPr lang="en-US" smtClean="0"/>
-              <a:t>4/2/2022</a:t>
+              <a:t>5/15/2022</a:t>
             </a:fld>
             <a:endParaRPr lang="en-US"/>
           </a:p>
@@ -6630,7 +6689,7 @@
 </p:sldLayout>
 </file>
 
-<file path=ppt/slideLayouts/slideLayout17.xml><?xml version="1.0" encoding="utf-8"?>
+<file path=ppt/slideLayouts/slideLayout18.xml><?xml version="1.0" encoding="utf-8"?>
 <p:sldLayout xmlns:a="http://schemas.openxmlformats.org/drawingml/2006/main" xmlns:r="http://schemas.openxmlformats.org/officeDocument/2006/relationships" xmlns:p="http://schemas.openxmlformats.org/presentationml/2006/main" type="obj" preserve="1">
   <p:cSld name="Title and Content">
     <p:spTree>
@@ -6755,7 +6814,7 @@
           <a:p>
             <a:fld id="{0A627400-D089-7447-864B-77479EBD4214}" type="datetimeFigureOut">
               <a:rPr lang="en-US" smtClean="0"/>
-              <a:t>4/2/2022</a:t>
+              <a:t>5/15/2022</a:t>
             </a:fld>
             <a:endParaRPr lang="en-US"/>
           </a:p>
@@ -6828,7 +6887,7 @@
 </p:sldLayout>
 </file>
 
-<file path=ppt/slideLayouts/slideLayout18.xml><?xml version="1.0" encoding="utf-8"?>
+<file path=ppt/slideLayouts/slideLayout19.xml><?xml version="1.0" encoding="utf-8"?>
 <p:sldLayout xmlns:a="http://schemas.openxmlformats.org/drawingml/2006/main" xmlns:r="http://schemas.openxmlformats.org/officeDocument/2006/relationships" xmlns:p="http://schemas.openxmlformats.org/presentationml/2006/main" type="secHead" preserve="1">
   <p:cSld name="Section Header">
     <p:spTree>
@@ -7030,7 +7089,7 @@
           <a:p>
             <a:fld id="{0A627400-D089-7447-864B-77479EBD4214}" type="datetimeFigureOut">
               <a:rPr lang="en-US" smtClean="0"/>
-              <a:t>4/2/2022</a:t>
+              <a:t>5/15/2022</a:t>
             </a:fld>
             <a:endParaRPr lang="en-US"/>
           </a:p>
@@ -7094,271 +7153,6 @@
     <p:extLst>
       <p:ext uri="{BB962C8B-B14F-4D97-AF65-F5344CB8AC3E}">
         <p14:creationId xmlns:p14="http://schemas.microsoft.com/office/powerpoint/2010/main" val="4114149147"/>
-      </p:ext>
-    </p:extLst>
-  </p:cSld>
-  <p:clrMapOvr>
-    <a:masterClrMapping/>
-  </p:clrMapOvr>
-</p:sldLayout>
-</file>
-
-<file path=ppt/slideLayouts/slideLayout19.xml><?xml version="1.0" encoding="utf-8"?>
-<p:sldLayout xmlns:a="http://schemas.openxmlformats.org/drawingml/2006/main" xmlns:r="http://schemas.openxmlformats.org/officeDocument/2006/relationships" xmlns:p="http://schemas.openxmlformats.org/presentationml/2006/main" type="twoObj" preserve="1">
-  <p:cSld name="Two Content">
-    <p:spTree>
-      <p:nvGrpSpPr>
-        <p:cNvPr id="1" name=""/>
-        <p:cNvGrpSpPr/>
-        <p:nvPr/>
-      </p:nvGrpSpPr>
-      <p:grpSpPr>
-        <a:xfrm>
-          <a:off x="0" y="0"/>
-          <a:ext cx="0" cy="0"/>
-          <a:chOff x="0" y="0"/>
-          <a:chExt cx="0" cy="0"/>
-        </a:xfrm>
-      </p:grpSpPr>
-      <p:sp>
-        <p:nvSpPr>
-          <p:cNvPr id="2" name="Title 1">
-            <a:extLst>
-              <a:ext uri="{FF2B5EF4-FFF2-40B4-BE49-F238E27FC236}">
-                <a16:creationId xmlns:a16="http://schemas.microsoft.com/office/drawing/2014/main" id="{15860501-FEE8-4A43-A887-C778D57CCB0A}"/>
-              </a:ext>
-            </a:extLst>
-          </p:cNvPr>
-          <p:cNvSpPr>
-            <a:spLocks noGrp="1"/>
-          </p:cNvSpPr>
-          <p:nvPr>
-            <p:ph type="title"/>
-          </p:nvPr>
-        </p:nvSpPr>
-        <p:spPr/>
-        <p:txBody>
-          <a:bodyPr/>
-          <a:lstStyle/>
-          <a:p>
-            <a:r>
-              <a:rPr lang="en-US"/>
-              <a:t>Click to edit Master title style</a:t>
-            </a:r>
-          </a:p>
-        </p:txBody>
-      </p:sp>
-      <p:sp>
-        <p:nvSpPr>
-          <p:cNvPr id="3" name="Content Placeholder 2">
-            <a:extLst>
-              <a:ext uri="{FF2B5EF4-FFF2-40B4-BE49-F238E27FC236}">
-                <a16:creationId xmlns:a16="http://schemas.microsoft.com/office/drawing/2014/main" id="{4DDE4D5F-58EF-5047-BAEF-694F619DB35D}"/>
-              </a:ext>
-            </a:extLst>
-          </p:cNvPr>
-          <p:cNvSpPr>
-            <a:spLocks noGrp="1"/>
-          </p:cNvSpPr>
-          <p:nvPr>
-            <p:ph sz="half" idx="1"/>
-          </p:nvPr>
-        </p:nvSpPr>
-        <p:spPr>
-          <a:xfrm>
-            <a:off x="838200" y="1825625"/>
-            <a:ext cx="5181600" cy="4351339"/>
-          </a:xfrm>
-        </p:spPr>
-        <p:txBody>
-          <a:bodyPr/>
-          <a:lstStyle/>
-          <a:p>
-            <a:pPr lvl="0"/>
-            <a:r>
-              <a:rPr lang="en-US"/>
-              <a:t>Click to edit Master text styles</a:t>
-            </a:r>
-          </a:p>
-          <a:p>
-            <a:pPr lvl="1"/>
-            <a:r>
-              <a:rPr lang="en-US"/>
-              <a:t>Second level</a:t>
-            </a:r>
-          </a:p>
-          <a:p>
-            <a:pPr lvl="2"/>
-            <a:r>
-              <a:rPr lang="en-US"/>
-              <a:t>Third level</a:t>
-            </a:r>
-          </a:p>
-          <a:p>
-            <a:pPr lvl="3"/>
-            <a:r>
-              <a:rPr lang="en-US"/>
-              <a:t>Fourth level</a:t>
-            </a:r>
-          </a:p>
-          <a:p>
-            <a:pPr lvl="4"/>
-            <a:r>
-              <a:rPr lang="en-US"/>
-              <a:t>Fifth level</a:t>
-            </a:r>
-          </a:p>
-        </p:txBody>
-      </p:sp>
-      <p:sp>
-        <p:nvSpPr>
-          <p:cNvPr id="4" name="Content Placeholder 3">
-            <a:extLst>
-              <a:ext uri="{FF2B5EF4-FFF2-40B4-BE49-F238E27FC236}">
-                <a16:creationId xmlns:a16="http://schemas.microsoft.com/office/drawing/2014/main" id="{0BB60468-267F-1F45-AAA2-30AF13763E59}"/>
-              </a:ext>
-            </a:extLst>
-          </p:cNvPr>
-          <p:cNvSpPr>
-            <a:spLocks noGrp="1"/>
-          </p:cNvSpPr>
-          <p:nvPr>
-            <p:ph sz="half" idx="2"/>
-          </p:nvPr>
-        </p:nvSpPr>
-        <p:spPr>
-          <a:xfrm>
-            <a:off x="6172200" y="1825625"/>
-            <a:ext cx="5181600" cy="4351339"/>
-          </a:xfrm>
-        </p:spPr>
-        <p:txBody>
-          <a:bodyPr/>
-          <a:lstStyle/>
-          <a:p>
-            <a:pPr lvl="0"/>
-            <a:r>
-              <a:rPr lang="en-US"/>
-              <a:t>Click to edit Master text styles</a:t>
-            </a:r>
-          </a:p>
-          <a:p>
-            <a:pPr lvl="1"/>
-            <a:r>
-              <a:rPr lang="en-US"/>
-              <a:t>Second level</a:t>
-            </a:r>
-          </a:p>
-          <a:p>
-            <a:pPr lvl="2"/>
-            <a:r>
-              <a:rPr lang="en-US"/>
-              <a:t>Third level</a:t>
-            </a:r>
-          </a:p>
-          <a:p>
-            <a:pPr lvl="3"/>
-            <a:r>
-              <a:rPr lang="en-US"/>
-              <a:t>Fourth level</a:t>
-            </a:r>
-          </a:p>
-          <a:p>
-            <a:pPr lvl="4"/>
-            <a:r>
-              <a:rPr lang="en-US"/>
-              <a:t>Fifth level</a:t>
-            </a:r>
-          </a:p>
-        </p:txBody>
-      </p:sp>
-      <p:sp>
-        <p:nvSpPr>
-          <p:cNvPr id="5" name="Date Placeholder 4">
-            <a:extLst>
-              <a:ext uri="{FF2B5EF4-FFF2-40B4-BE49-F238E27FC236}">
-                <a16:creationId xmlns:a16="http://schemas.microsoft.com/office/drawing/2014/main" id="{31138E6A-F55F-9B41-BB5F-C47771404DD5}"/>
-              </a:ext>
-            </a:extLst>
-          </p:cNvPr>
-          <p:cNvSpPr>
-            <a:spLocks noGrp="1"/>
-          </p:cNvSpPr>
-          <p:nvPr>
-            <p:ph type="dt" sz="half" idx="10"/>
-          </p:nvPr>
-        </p:nvSpPr>
-        <p:spPr/>
-        <p:txBody>
-          <a:bodyPr/>
-          <a:lstStyle/>
-          <a:p>
-            <a:fld id="{0A627400-D089-7447-864B-77479EBD4214}" type="datetimeFigureOut">
-              <a:rPr lang="en-US" smtClean="0"/>
-              <a:t>4/2/2022</a:t>
-            </a:fld>
-            <a:endParaRPr lang="en-US"/>
-          </a:p>
-        </p:txBody>
-      </p:sp>
-      <p:sp>
-        <p:nvSpPr>
-          <p:cNvPr id="6" name="Footer Placeholder 5">
-            <a:extLst>
-              <a:ext uri="{FF2B5EF4-FFF2-40B4-BE49-F238E27FC236}">
-                <a16:creationId xmlns:a16="http://schemas.microsoft.com/office/drawing/2014/main" id="{7392FE18-73E8-D64A-AB50-97C717CC840D}"/>
-              </a:ext>
-            </a:extLst>
-          </p:cNvPr>
-          <p:cNvSpPr>
-            <a:spLocks noGrp="1"/>
-          </p:cNvSpPr>
-          <p:nvPr>
-            <p:ph type="ftr" sz="quarter" idx="11"/>
-          </p:nvPr>
-        </p:nvSpPr>
-        <p:spPr/>
-        <p:txBody>
-          <a:bodyPr/>
-          <a:lstStyle/>
-          <a:p>
-            <a:endParaRPr lang="en-US"/>
-          </a:p>
-        </p:txBody>
-      </p:sp>
-      <p:sp>
-        <p:nvSpPr>
-          <p:cNvPr id="7" name="Slide Number Placeholder 6">
-            <a:extLst>
-              <a:ext uri="{FF2B5EF4-FFF2-40B4-BE49-F238E27FC236}">
-                <a16:creationId xmlns:a16="http://schemas.microsoft.com/office/drawing/2014/main" id="{331D3D61-E3AB-0747-BB3D-CFD3451A5BAB}"/>
-              </a:ext>
-            </a:extLst>
-          </p:cNvPr>
-          <p:cNvSpPr>
-            <a:spLocks noGrp="1"/>
-          </p:cNvSpPr>
-          <p:nvPr>
-            <p:ph type="sldNum" sz="quarter" idx="12"/>
-          </p:nvPr>
-        </p:nvSpPr>
-        <p:spPr/>
-        <p:txBody>
-          <a:bodyPr/>
-          <a:lstStyle/>
-          <a:p>
-            <a:fld id="{CDACE531-2FE7-1449-9EEA-A972806695F4}" type="slidenum">
-              <a:rPr lang="en-US" smtClean="0"/>
-              <a:t>‹#›</a:t>
-            </a:fld>
-            <a:endParaRPr lang="en-US"/>
-          </a:p>
-        </p:txBody>
-      </p:sp>
-    </p:spTree>
-    <p:extLst>
-      <p:ext uri="{BB962C8B-B14F-4D97-AF65-F5344CB8AC3E}">
-        <p14:creationId xmlns:p14="http://schemas.microsoft.com/office/powerpoint/2010/main" val="1570648668"/>
       </p:ext>
     </p:extLst>
   </p:cSld>
@@ -7569,6 +7363,271 @@
 </file>
 
 <file path=ppt/slideLayouts/slideLayout20.xml><?xml version="1.0" encoding="utf-8"?>
+<p:sldLayout xmlns:a="http://schemas.openxmlformats.org/drawingml/2006/main" xmlns:r="http://schemas.openxmlformats.org/officeDocument/2006/relationships" xmlns:p="http://schemas.openxmlformats.org/presentationml/2006/main" type="twoObj" preserve="1">
+  <p:cSld name="Two Content">
+    <p:spTree>
+      <p:nvGrpSpPr>
+        <p:cNvPr id="1" name=""/>
+        <p:cNvGrpSpPr/>
+        <p:nvPr/>
+      </p:nvGrpSpPr>
+      <p:grpSpPr>
+        <a:xfrm>
+          <a:off x="0" y="0"/>
+          <a:ext cx="0" cy="0"/>
+          <a:chOff x="0" y="0"/>
+          <a:chExt cx="0" cy="0"/>
+        </a:xfrm>
+      </p:grpSpPr>
+      <p:sp>
+        <p:nvSpPr>
+          <p:cNvPr id="2" name="Title 1">
+            <a:extLst>
+              <a:ext uri="{FF2B5EF4-FFF2-40B4-BE49-F238E27FC236}">
+                <a16:creationId xmlns:a16="http://schemas.microsoft.com/office/drawing/2014/main" id="{15860501-FEE8-4A43-A887-C778D57CCB0A}"/>
+              </a:ext>
+            </a:extLst>
+          </p:cNvPr>
+          <p:cNvSpPr>
+            <a:spLocks noGrp="1"/>
+          </p:cNvSpPr>
+          <p:nvPr>
+            <p:ph type="title"/>
+          </p:nvPr>
+        </p:nvSpPr>
+        <p:spPr/>
+        <p:txBody>
+          <a:bodyPr/>
+          <a:lstStyle/>
+          <a:p>
+            <a:r>
+              <a:rPr lang="en-US"/>
+              <a:t>Click to edit Master title style</a:t>
+            </a:r>
+          </a:p>
+        </p:txBody>
+      </p:sp>
+      <p:sp>
+        <p:nvSpPr>
+          <p:cNvPr id="3" name="Content Placeholder 2">
+            <a:extLst>
+              <a:ext uri="{FF2B5EF4-FFF2-40B4-BE49-F238E27FC236}">
+                <a16:creationId xmlns:a16="http://schemas.microsoft.com/office/drawing/2014/main" id="{4DDE4D5F-58EF-5047-BAEF-694F619DB35D}"/>
+              </a:ext>
+            </a:extLst>
+          </p:cNvPr>
+          <p:cNvSpPr>
+            <a:spLocks noGrp="1"/>
+          </p:cNvSpPr>
+          <p:nvPr>
+            <p:ph sz="half" idx="1"/>
+          </p:nvPr>
+        </p:nvSpPr>
+        <p:spPr>
+          <a:xfrm>
+            <a:off x="838200" y="1825625"/>
+            <a:ext cx="5181600" cy="4351339"/>
+          </a:xfrm>
+        </p:spPr>
+        <p:txBody>
+          <a:bodyPr/>
+          <a:lstStyle/>
+          <a:p>
+            <a:pPr lvl="0"/>
+            <a:r>
+              <a:rPr lang="en-US"/>
+              <a:t>Click to edit Master text styles</a:t>
+            </a:r>
+          </a:p>
+          <a:p>
+            <a:pPr lvl="1"/>
+            <a:r>
+              <a:rPr lang="en-US"/>
+              <a:t>Second level</a:t>
+            </a:r>
+          </a:p>
+          <a:p>
+            <a:pPr lvl="2"/>
+            <a:r>
+              <a:rPr lang="en-US"/>
+              <a:t>Third level</a:t>
+            </a:r>
+          </a:p>
+          <a:p>
+            <a:pPr lvl="3"/>
+            <a:r>
+              <a:rPr lang="en-US"/>
+              <a:t>Fourth level</a:t>
+            </a:r>
+          </a:p>
+          <a:p>
+            <a:pPr lvl="4"/>
+            <a:r>
+              <a:rPr lang="en-US"/>
+              <a:t>Fifth level</a:t>
+            </a:r>
+          </a:p>
+        </p:txBody>
+      </p:sp>
+      <p:sp>
+        <p:nvSpPr>
+          <p:cNvPr id="4" name="Content Placeholder 3">
+            <a:extLst>
+              <a:ext uri="{FF2B5EF4-FFF2-40B4-BE49-F238E27FC236}">
+                <a16:creationId xmlns:a16="http://schemas.microsoft.com/office/drawing/2014/main" id="{0BB60468-267F-1F45-AAA2-30AF13763E59}"/>
+              </a:ext>
+            </a:extLst>
+          </p:cNvPr>
+          <p:cNvSpPr>
+            <a:spLocks noGrp="1"/>
+          </p:cNvSpPr>
+          <p:nvPr>
+            <p:ph sz="half" idx="2"/>
+          </p:nvPr>
+        </p:nvSpPr>
+        <p:spPr>
+          <a:xfrm>
+            <a:off x="6172200" y="1825625"/>
+            <a:ext cx="5181600" cy="4351339"/>
+          </a:xfrm>
+        </p:spPr>
+        <p:txBody>
+          <a:bodyPr/>
+          <a:lstStyle/>
+          <a:p>
+            <a:pPr lvl="0"/>
+            <a:r>
+              <a:rPr lang="en-US"/>
+              <a:t>Click to edit Master text styles</a:t>
+            </a:r>
+          </a:p>
+          <a:p>
+            <a:pPr lvl="1"/>
+            <a:r>
+              <a:rPr lang="en-US"/>
+              <a:t>Second level</a:t>
+            </a:r>
+          </a:p>
+          <a:p>
+            <a:pPr lvl="2"/>
+            <a:r>
+              <a:rPr lang="en-US"/>
+              <a:t>Third level</a:t>
+            </a:r>
+          </a:p>
+          <a:p>
+            <a:pPr lvl="3"/>
+            <a:r>
+              <a:rPr lang="en-US"/>
+              <a:t>Fourth level</a:t>
+            </a:r>
+          </a:p>
+          <a:p>
+            <a:pPr lvl="4"/>
+            <a:r>
+              <a:rPr lang="en-US"/>
+              <a:t>Fifth level</a:t>
+            </a:r>
+          </a:p>
+        </p:txBody>
+      </p:sp>
+      <p:sp>
+        <p:nvSpPr>
+          <p:cNvPr id="5" name="Date Placeholder 4">
+            <a:extLst>
+              <a:ext uri="{FF2B5EF4-FFF2-40B4-BE49-F238E27FC236}">
+                <a16:creationId xmlns:a16="http://schemas.microsoft.com/office/drawing/2014/main" id="{31138E6A-F55F-9B41-BB5F-C47771404DD5}"/>
+              </a:ext>
+            </a:extLst>
+          </p:cNvPr>
+          <p:cNvSpPr>
+            <a:spLocks noGrp="1"/>
+          </p:cNvSpPr>
+          <p:nvPr>
+            <p:ph type="dt" sz="half" idx="10"/>
+          </p:nvPr>
+        </p:nvSpPr>
+        <p:spPr/>
+        <p:txBody>
+          <a:bodyPr/>
+          <a:lstStyle/>
+          <a:p>
+            <a:fld id="{0A627400-D089-7447-864B-77479EBD4214}" type="datetimeFigureOut">
+              <a:rPr lang="en-US" smtClean="0"/>
+              <a:t>5/15/2022</a:t>
+            </a:fld>
+            <a:endParaRPr lang="en-US"/>
+          </a:p>
+        </p:txBody>
+      </p:sp>
+      <p:sp>
+        <p:nvSpPr>
+          <p:cNvPr id="6" name="Footer Placeholder 5">
+            <a:extLst>
+              <a:ext uri="{FF2B5EF4-FFF2-40B4-BE49-F238E27FC236}">
+                <a16:creationId xmlns:a16="http://schemas.microsoft.com/office/drawing/2014/main" id="{7392FE18-73E8-D64A-AB50-97C717CC840D}"/>
+              </a:ext>
+            </a:extLst>
+          </p:cNvPr>
+          <p:cNvSpPr>
+            <a:spLocks noGrp="1"/>
+          </p:cNvSpPr>
+          <p:nvPr>
+            <p:ph type="ftr" sz="quarter" idx="11"/>
+          </p:nvPr>
+        </p:nvSpPr>
+        <p:spPr/>
+        <p:txBody>
+          <a:bodyPr/>
+          <a:lstStyle/>
+          <a:p>
+            <a:endParaRPr lang="en-US"/>
+          </a:p>
+        </p:txBody>
+      </p:sp>
+      <p:sp>
+        <p:nvSpPr>
+          <p:cNvPr id="7" name="Slide Number Placeholder 6">
+            <a:extLst>
+              <a:ext uri="{FF2B5EF4-FFF2-40B4-BE49-F238E27FC236}">
+                <a16:creationId xmlns:a16="http://schemas.microsoft.com/office/drawing/2014/main" id="{331D3D61-E3AB-0747-BB3D-CFD3451A5BAB}"/>
+              </a:ext>
+            </a:extLst>
+          </p:cNvPr>
+          <p:cNvSpPr>
+            <a:spLocks noGrp="1"/>
+          </p:cNvSpPr>
+          <p:nvPr>
+            <p:ph type="sldNum" sz="quarter" idx="12"/>
+          </p:nvPr>
+        </p:nvSpPr>
+        <p:spPr/>
+        <p:txBody>
+          <a:bodyPr/>
+          <a:lstStyle/>
+          <a:p>
+            <a:fld id="{CDACE531-2FE7-1449-9EEA-A972806695F4}" type="slidenum">
+              <a:rPr lang="en-US" smtClean="0"/>
+              <a:t>‹#›</a:t>
+            </a:fld>
+            <a:endParaRPr lang="en-US"/>
+          </a:p>
+        </p:txBody>
+      </p:sp>
+    </p:spTree>
+    <p:extLst>
+      <p:ext uri="{BB962C8B-B14F-4D97-AF65-F5344CB8AC3E}">
+        <p14:creationId xmlns:p14="http://schemas.microsoft.com/office/powerpoint/2010/main" val="1570648668"/>
+      </p:ext>
+    </p:extLst>
+  </p:cSld>
+  <p:clrMapOvr>
+    <a:masterClrMapping/>
+  </p:clrMapOvr>
+</p:sldLayout>
+</file>
+
+<file path=ppt/slideLayouts/slideLayout21.xml><?xml version="1.0" encoding="utf-8"?>
 <p:sldLayout xmlns:a="http://schemas.openxmlformats.org/drawingml/2006/main" xmlns:r="http://schemas.openxmlformats.org/officeDocument/2006/relationships" xmlns:p="http://schemas.openxmlformats.org/presentationml/2006/main" type="twoTxTwoObj" preserve="1">
   <p:cSld name="Comparison">
     <p:spTree>
@@ -7907,7 +7966,7 @@
           <a:p>
             <a:fld id="{0A627400-D089-7447-864B-77479EBD4214}" type="datetimeFigureOut">
               <a:rPr lang="en-US" smtClean="0"/>
-              <a:t>4/2/2022</a:t>
+              <a:t>5/15/2022</a:t>
             </a:fld>
             <a:endParaRPr lang="en-US"/>
           </a:p>
@@ -7980,7 +8039,7 @@
 </p:sldLayout>
 </file>
 
-<file path=ppt/slideLayouts/slideLayout21.xml><?xml version="1.0" encoding="utf-8"?>
+<file path=ppt/slideLayouts/slideLayout22.xml><?xml version="1.0" encoding="utf-8"?>
 <p:sldLayout xmlns:a="http://schemas.openxmlformats.org/drawingml/2006/main" xmlns:r="http://schemas.openxmlformats.org/officeDocument/2006/relationships" xmlns:p="http://schemas.openxmlformats.org/presentationml/2006/main" type="obj" preserve="1">
   <p:cSld name="Code Sample">
     <p:spTree>
@@ -8113,7 +8172,7 @@
           <a:p>
             <a:fld id="{0A627400-D089-7447-864B-77479EBD4214}" type="datetimeFigureOut">
               <a:rPr lang="en-US" smtClean="0"/>
-              <a:t>4/2/2022</a:t>
+              <a:t>5/15/2022</a:t>
             </a:fld>
             <a:endParaRPr lang="en-US"/>
           </a:p>
@@ -8186,7 +8245,7 @@
 </p:sldLayout>
 </file>
 
-<file path=ppt/slideLayouts/slideLayout22.xml><?xml version="1.0" encoding="utf-8"?>
+<file path=ppt/slideLayouts/slideLayout23.xml><?xml version="1.0" encoding="utf-8"?>
 <p:sldLayout xmlns:a="http://schemas.openxmlformats.org/drawingml/2006/main" xmlns:r="http://schemas.openxmlformats.org/officeDocument/2006/relationships" xmlns:p="http://schemas.openxmlformats.org/presentationml/2006/main" preserve="1" userDrawn="1">
   <p:cSld name="Progress">
     <p:spTree>
@@ -8255,7 +8314,7 @@
             <a:fld id="{0A627400-D089-7447-864B-77479EBD4214}" type="datetimeFigureOut">
               <a:rPr lang="en-US" smtClean="0"/>
               <a:pPr/>
-              <a:t>4/2/2022</a:t>
+              <a:t>5/15/2022</a:t>
             </a:fld>
             <a:endParaRPr lang="en-US"/>
           </a:p>
@@ -8351,7 +8410,7 @@
 </p:sldLayout>
 </file>
 
-<file path=ppt/slideLayouts/slideLayout23.xml><?xml version="1.0" encoding="utf-8"?>
+<file path=ppt/slideLayouts/slideLayout24.xml><?xml version="1.0" encoding="utf-8"?>
 <p:sldLayout xmlns:a="http://schemas.openxmlformats.org/drawingml/2006/main" xmlns:r="http://schemas.openxmlformats.org/officeDocument/2006/relationships" xmlns:p="http://schemas.openxmlformats.org/presentationml/2006/main" type="titleOnly" preserve="1">
   <p:cSld name="Title Only">
     <p:spTree>
@@ -8419,7 +8478,7 @@
           <a:p>
             <a:fld id="{0A627400-D089-7447-864B-77479EBD4214}" type="datetimeFigureOut">
               <a:rPr lang="en-US" smtClean="0"/>
-              <a:t>4/2/2022</a:t>
+              <a:t>5/15/2022</a:t>
             </a:fld>
             <a:endParaRPr lang="en-US"/>
           </a:p>
@@ -8492,7 +8551,7 @@
 </p:sldLayout>
 </file>
 
-<file path=ppt/slideLayouts/slideLayout24.xml><?xml version="1.0" encoding="utf-8"?>
+<file path=ppt/slideLayouts/slideLayout25.xml><?xml version="1.0" encoding="utf-8"?>
 <p:sldLayout xmlns:a="http://schemas.openxmlformats.org/drawingml/2006/main" xmlns:r="http://schemas.openxmlformats.org/officeDocument/2006/relationships" xmlns:p="http://schemas.openxmlformats.org/presentationml/2006/main" type="blank" preserve="1">
   <p:cSld name="Blank">
     <p:spTree>
@@ -8532,7 +8591,7 @@
           <a:p>
             <a:fld id="{0A627400-D089-7447-864B-77479EBD4214}" type="datetimeFigureOut">
               <a:rPr lang="en-US" smtClean="0"/>
-              <a:t>4/2/2022</a:t>
+              <a:t>5/15/2022</a:t>
             </a:fld>
             <a:endParaRPr lang="en-US"/>
           </a:p>
@@ -8605,7 +8664,7 @@
 </p:sldLayout>
 </file>
 
-<file path=ppt/slideLayouts/slideLayout25.xml><?xml version="1.0" encoding="utf-8"?>
+<file path=ppt/slideLayouts/slideLayout26.xml><?xml version="1.0" encoding="utf-8"?>
 <p:sldLayout xmlns:a="http://schemas.openxmlformats.org/drawingml/2006/main" xmlns:r="http://schemas.openxmlformats.org/officeDocument/2006/relationships" xmlns:p="http://schemas.openxmlformats.org/presentationml/2006/main" type="objTx" preserve="1">
   <p:cSld name="Content with Caption">
     <p:spTree>
@@ -8843,7 +8902,7 @@
           <a:p>
             <a:fld id="{0A627400-D089-7447-864B-77479EBD4214}" type="datetimeFigureOut">
               <a:rPr lang="en-US" smtClean="0"/>
-              <a:t>4/2/2022</a:t>
+              <a:t>5/15/2022</a:t>
             </a:fld>
             <a:endParaRPr lang="en-US"/>
           </a:p>
@@ -8916,7 +8975,7 @@
 </p:sldLayout>
 </file>
 
-<file path=ppt/slideLayouts/slideLayout26.xml><?xml version="1.0" encoding="utf-8"?>
+<file path=ppt/slideLayouts/slideLayout27.xml><?xml version="1.0" encoding="utf-8"?>
 <p:sldLayout xmlns:a="http://schemas.openxmlformats.org/drawingml/2006/main" xmlns:r="http://schemas.openxmlformats.org/officeDocument/2006/relationships" xmlns:p="http://schemas.openxmlformats.org/presentationml/2006/main" type="picTx" preserve="1">
   <p:cSld name="Picture with Caption">
     <p:spTree>
@@ -9131,7 +9190,7 @@
           <a:p>
             <a:fld id="{0A627400-D089-7447-864B-77479EBD4214}" type="datetimeFigureOut">
               <a:rPr lang="en-US" smtClean="0"/>
-              <a:t>4/2/2022</a:t>
+              <a:t>5/15/2022</a:t>
             </a:fld>
             <a:endParaRPr lang="en-US"/>
           </a:p>
@@ -9204,7 +9263,7 @@
 </p:sldLayout>
 </file>
 
-<file path=ppt/slideLayouts/slideLayout27.xml><?xml version="1.0" encoding="utf-8"?>
+<file path=ppt/slideLayouts/slideLayout28.xml><?xml version="1.0" encoding="utf-8"?>
 <p:sldLayout xmlns:a="http://schemas.openxmlformats.org/drawingml/2006/main" xmlns:r="http://schemas.openxmlformats.org/officeDocument/2006/relationships" xmlns:p="http://schemas.openxmlformats.org/presentationml/2006/main" userDrawn="1">
   <p:cSld name="White Background">
     <p:spTree>
@@ -9337,7 +9396,7 @@
 </p:sldLayout>
 </file>
 
-<file path=ppt/slideLayouts/slideLayout28.xml><?xml version="1.0" encoding="utf-8"?>
+<file path=ppt/slideLayouts/slideLayout29.xml><?xml version="1.0" encoding="utf-8"?>
 <p:sldLayout xmlns:a="http://schemas.openxmlformats.org/drawingml/2006/main" xmlns:r="http://schemas.openxmlformats.org/officeDocument/2006/relationships" xmlns:p="http://schemas.openxmlformats.org/presentationml/2006/main" preserve="1" userDrawn="1">
   <p:cSld name="Blank Layout">
     <p:spTree>
@@ -10678,7 +10737,7 @@
           <p:nvPr userDrawn="1"/>
         </p:nvPicPr>
         <p:blipFill>
-          <a:blip r:embed="rId17"/>
+          <a:blip r:embed="rId18"/>
           <a:stretch>
             <a:fillRect/>
           </a:stretch>
@@ -10717,6 +10776,7 @@
     <p:sldLayoutId id="2147483676" r:id="rId13"/>
     <p:sldLayoutId id="2147483678" r:id="rId14"/>
     <p:sldLayoutId id="2147483679" r:id="rId15"/>
+    <p:sldLayoutId id="2147483809" r:id="rId16"/>
   </p:sldLayoutIdLst>
   <p:transition>
     <p:fade/>
@@ -11383,7 +11443,7 @@
             <a:fld id="{0A627400-D089-7447-864B-77479EBD4214}" type="datetimeFigureOut">
               <a:rPr lang="en-US" smtClean="0"/>
               <a:pPr/>
-              <a:t>4/2/2022</a:t>
+              <a:t>5/15/2022</a:t>
             </a:fld>
             <a:endParaRPr lang="en-US"/>
           </a:p>
@@ -12128,6 +12188,1536 @@
 </file>
 
 <file path=ppt/slides/slide2.xml><?xml version="1.0" encoding="utf-8"?>
+<p:sld xmlns:a="http://schemas.openxmlformats.org/drawingml/2006/main" xmlns:r="http://schemas.openxmlformats.org/officeDocument/2006/relationships" xmlns:p="http://schemas.openxmlformats.org/presentationml/2006/main">
+  <p:cSld>
+    <p:spTree>
+      <p:nvGrpSpPr>
+        <p:cNvPr id="1" name=""/>
+        <p:cNvGrpSpPr/>
+        <p:nvPr/>
+      </p:nvGrpSpPr>
+      <p:grpSpPr>
+        <a:xfrm>
+          <a:off x="0" y="0"/>
+          <a:ext cx="0" cy="0"/>
+          <a:chOff x="0" y="0"/>
+          <a:chExt cx="0" cy="0"/>
+        </a:xfrm>
+      </p:grpSpPr>
+      <p:sp>
+        <p:nvSpPr>
+          <p:cNvPr id="2" name="Title 1">
+            <a:extLst>
+              <a:ext uri="{FF2B5EF4-FFF2-40B4-BE49-F238E27FC236}">
+                <a16:creationId xmlns:a16="http://schemas.microsoft.com/office/drawing/2014/main" id="{F11A000C-A1A4-452A-A6C7-DA15055C2D9A}"/>
+              </a:ext>
+            </a:extLst>
+          </p:cNvPr>
+          <p:cNvSpPr>
+            <a:spLocks noGrp="1"/>
+          </p:cNvSpPr>
+          <p:nvPr>
+            <p:ph type="title"/>
+          </p:nvPr>
+        </p:nvSpPr>
+        <p:spPr/>
+        <p:txBody>
+          <a:bodyPr/>
+          <a:lstStyle/>
+          <a:p>
+            <a:r>
+              <a:rPr lang="es-ES" dirty="0"/>
+              <a:t>Jerarquía de elementos visuales</a:t>
+            </a:r>
+            <a:endParaRPr lang="en-US" dirty="0"/>
+          </a:p>
+        </p:txBody>
+      </p:sp>
+      <p:sp>
+        <p:nvSpPr>
+          <p:cNvPr id="3" name="Rectangle 2">
+            <a:extLst>
+              <a:ext uri="{FF2B5EF4-FFF2-40B4-BE49-F238E27FC236}">
+                <a16:creationId xmlns:a16="http://schemas.microsoft.com/office/drawing/2014/main" id="{FC0F59C0-E5F3-4D07-8602-FB86D948E46D}"/>
+              </a:ext>
+            </a:extLst>
+          </p:cNvPr>
+          <p:cNvSpPr/>
+          <p:nvPr/>
+        </p:nvSpPr>
+        <p:spPr bwMode="auto">
+          <a:xfrm>
+            <a:off x="867265" y="3429000"/>
+            <a:ext cx="2347275" cy="1140643"/>
+          </a:xfrm>
+          <a:prstGeom prst="rect">
+            <a:avLst/>
+          </a:prstGeom>
+          <a:solidFill>
+            <a:schemeClr val="accent1"/>
+          </a:solidFill>
+          <a:ln>
+            <a:noFill/>
+            <a:headEnd type="none" w="med" len="med"/>
+            <a:tailEnd type="none" w="med" len="med"/>
+          </a:ln>
+          <a:effectLst/>
+        </p:spPr>
+        <p:style>
+          <a:lnRef idx="1">
+            <a:schemeClr val="accent2"/>
+          </a:lnRef>
+          <a:fillRef idx="3">
+            <a:schemeClr val="accent2"/>
+          </a:fillRef>
+          <a:effectRef idx="2">
+            <a:schemeClr val="accent2"/>
+          </a:effectRef>
+          <a:fontRef idx="minor">
+            <a:schemeClr val="lt1"/>
+          </a:fontRef>
+        </p:style>
+        <p:txBody>
+          <a:bodyPr lIns="91440" tIns="91440" rIns="34294" bIns="34294" rtlCol="0" anchor="ctr" anchorCtr="0"/>
+          <a:lstStyle/>
+          <a:p>
+            <a:pPr algn="ctr" defTabSz="932406"/>
+            <a:r>
+              <a:rPr lang="es-ES" sz="2400" dirty="0">
+                <a:gradFill>
+                  <a:gsLst>
+                    <a:gs pos="0">
+                      <a:srgbClr val="FFFFFF"/>
+                    </a:gs>
+                    <a:gs pos="100000">
+                      <a:srgbClr val="FFFFFF"/>
+                    </a:gs>
+                  </a:gsLst>
+                  <a:lin ang="5400000" scaled="0"/>
+                </a:gradFill>
+                <a:ea typeface="Segoe UI" pitchFamily="34" charset="0"/>
+                <a:cs typeface="Segoe UI" pitchFamily="34" charset="0"/>
+              </a:rPr>
+              <a:t>App</a:t>
+            </a:r>
+            <a:endParaRPr lang="en-US" sz="800" dirty="0">
+              <a:gradFill>
+                <a:gsLst>
+                  <a:gs pos="0">
+                    <a:srgbClr val="FFFFFF"/>
+                  </a:gs>
+                  <a:gs pos="100000">
+                    <a:srgbClr val="FFFFFF"/>
+                  </a:gs>
+                </a:gsLst>
+                <a:lin ang="5400000" scaled="0"/>
+              </a:gradFill>
+              <a:ea typeface="Segoe UI" pitchFamily="34" charset="0"/>
+              <a:cs typeface="Segoe UI" pitchFamily="34" charset="0"/>
+            </a:endParaRPr>
+          </a:p>
+        </p:txBody>
+      </p:sp>
+      <p:sp>
+        <p:nvSpPr>
+          <p:cNvPr id="4" name="Rectangle 3">
+            <a:extLst>
+              <a:ext uri="{FF2B5EF4-FFF2-40B4-BE49-F238E27FC236}">
+                <a16:creationId xmlns:a16="http://schemas.microsoft.com/office/drawing/2014/main" id="{EDD00D19-4CAE-4205-90D9-076184518C14}"/>
+              </a:ext>
+            </a:extLst>
+          </p:cNvPr>
+          <p:cNvSpPr/>
+          <p:nvPr/>
+        </p:nvSpPr>
+        <p:spPr bwMode="auto">
+          <a:xfrm>
+            <a:off x="4300193" y="3429000"/>
+            <a:ext cx="2347275" cy="1140643"/>
+          </a:xfrm>
+          <a:prstGeom prst="rect">
+            <a:avLst/>
+          </a:prstGeom>
+          <a:solidFill>
+            <a:srgbClr val="00B050"/>
+          </a:solidFill>
+          <a:ln>
+            <a:noFill/>
+            <a:headEnd type="none" w="med" len="med"/>
+            <a:tailEnd type="none" w="med" len="med"/>
+          </a:ln>
+          <a:effectLst/>
+        </p:spPr>
+        <p:style>
+          <a:lnRef idx="1">
+            <a:schemeClr val="accent2"/>
+          </a:lnRef>
+          <a:fillRef idx="3">
+            <a:schemeClr val="accent2"/>
+          </a:fillRef>
+          <a:effectRef idx="2">
+            <a:schemeClr val="accent2"/>
+          </a:effectRef>
+          <a:fontRef idx="minor">
+            <a:schemeClr val="lt1"/>
+          </a:fontRef>
+        </p:style>
+        <p:txBody>
+          <a:bodyPr lIns="91440" tIns="91440" rIns="34294" bIns="34294" rtlCol="0" anchor="ctr" anchorCtr="0"/>
+          <a:lstStyle/>
+          <a:p>
+            <a:pPr algn="ctr" defTabSz="932406"/>
+            <a:r>
+              <a:rPr lang="es-ES" sz="2400" dirty="0" err="1">
+                <a:gradFill>
+                  <a:gsLst>
+                    <a:gs pos="0">
+                      <a:srgbClr val="FFFFFF"/>
+                    </a:gs>
+                    <a:gs pos="100000">
+                      <a:srgbClr val="FFFFFF"/>
+                    </a:gs>
+                  </a:gsLst>
+                  <a:lin ang="5400000" scaled="0"/>
+                </a:gradFill>
+                <a:ea typeface="Segoe UI" pitchFamily="34" charset="0"/>
+                <a:cs typeface="Segoe UI" pitchFamily="34" charset="0"/>
+              </a:rPr>
+              <a:t>Window</a:t>
+            </a:r>
+            <a:endParaRPr lang="en-US" sz="800" dirty="0">
+              <a:gradFill>
+                <a:gsLst>
+                  <a:gs pos="0">
+                    <a:srgbClr val="FFFFFF"/>
+                  </a:gs>
+                  <a:gs pos="100000">
+                    <a:srgbClr val="FFFFFF"/>
+                  </a:gs>
+                </a:gsLst>
+                <a:lin ang="5400000" scaled="0"/>
+              </a:gradFill>
+              <a:ea typeface="Segoe UI" pitchFamily="34" charset="0"/>
+              <a:cs typeface="Segoe UI" pitchFamily="34" charset="0"/>
+            </a:endParaRPr>
+          </a:p>
+        </p:txBody>
+      </p:sp>
+      <p:sp>
+        <p:nvSpPr>
+          <p:cNvPr id="5" name="Rectangle 4">
+            <a:extLst>
+              <a:ext uri="{FF2B5EF4-FFF2-40B4-BE49-F238E27FC236}">
+                <a16:creationId xmlns:a16="http://schemas.microsoft.com/office/drawing/2014/main" id="{B5879C25-4AC9-4D94-8E86-802E7381CD84}"/>
+              </a:ext>
+            </a:extLst>
+          </p:cNvPr>
+          <p:cNvSpPr/>
+          <p:nvPr/>
+        </p:nvSpPr>
+        <p:spPr bwMode="auto">
+          <a:xfrm>
+            <a:off x="7591719" y="1536569"/>
+            <a:ext cx="3465922" cy="4675695"/>
+          </a:xfrm>
+          <a:prstGeom prst="rect">
+            <a:avLst/>
+          </a:prstGeom>
+          <a:solidFill>
+            <a:srgbClr val="7030A0"/>
+          </a:solidFill>
+          <a:ln>
+            <a:noFill/>
+            <a:headEnd type="none" w="med" len="med"/>
+            <a:tailEnd type="none" w="med" len="med"/>
+          </a:ln>
+          <a:effectLst/>
+        </p:spPr>
+        <p:style>
+          <a:lnRef idx="1">
+            <a:schemeClr val="accent2"/>
+          </a:lnRef>
+          <a:fillRef idx="3">
+            <a:schemeClr val="accent2"/>
+          </a:fillRef>
+          <a:effectRef idx="2">
+            <a:schemeClr val="accent2"/>
+          </a:effectRef>
+          <a:fontRef idx="minor">
+            <a:schemeClr val="lt1"/>
+          </a:fontRef>
+        </p:style>
+        <p:txBody>
+          <a:bodyPr lIns="91440" tIns="91440" rIns="34294" bIns="34294" rtlCol="0" anchor="t" anchorCtr="0"/>
+          <a:lstStyle/>
+          <a:p>
+            <a:pPr algn="ctr" defTabSz="932406"/>
+            <a:r>
+              <a:rPr lang="es-ES" sz="2400" dirty="0">
+                <a:gradFill>
+                  <a:gsLst>
+                    <a:gs pos="0">
+                      <a:srgbClr val="FFFFFF"/>
+                    </a:gs>
+                    <a:gs pos="100000">
+                      <a:srgbClr val="FFFFFF"/>
+                    </a:gs>
+                  </a:gsLst>
+                  <a:lin ang="5400000" scaled="0"/>
+                </a:gradFill>
+                <a:ea typeface="Segoe UI" pitchFamily="34" charset="0"/>
+                <a:cs typeface="Segoe UI" pitchFamily="34" charset="0"/>
+              </a:rPr>
+              <a:t>Page (</a:t>
+            </a:r>
+            <a:r>
+              <a:rPr lang="es-ES" sz="2400" dirty="0" err="1">
+                <a:gradFill>
+                  <a:gsLst>
+                    <a:gs pos="0">
+                      <a:srgbClr val="FFFFFF"/>
+                    </a:gs>
+                    <a:gs pos="100000">
+                      <a:srgbClr val="FFFFFF"/>
+                    </a:gs>
+                  </a:gsLst>
+                  <a:lin ang="5400000" scaled="0"/>
+                </a:gradFill>
+                <a:ea typeface="Segoe UI" pitchFamily="34" charset="0"/>
+                <a:cs typeface="Segoe UI" pitchFamily="34" charset="0"/>
+              </a:rPr>
+              <a:t>ContentPage</a:t>
+            </a:r>
+            <a:r>
+              <a:rPr lang="es-ES" sz="2400" dirty="0">
+                <a:gradFill>
+                  <a:gsLst>
+                    <a:gs pos="0">
+                      <a:srgbClr val="FFFFFF"/>
+                    </a:gs>
+                    <a:gs pos="100000">
+                      <a:srgbClr val="FFFFFF"/>
+                    </a:gs>
+                  </a:gsLst>
+                  <a:lin ang="5400000" scaled="0"/>
+                </a:gradFill>
+                <a:ea typeface="Segoe UI" pitchFamily="34" charset="0"/>
+                <a:cs typeface="Segoe UI" pitchFamily="34" charset="0"/>
+              </a:rPr>
+              <a:t>)</a:t>
+            </a:r>
+            <a:endParaRPr lang="en-US" sz="2400" dirty="0">
+              <a:gradFill>
+                <a:gsLst>
+                  <a:gs pos="0">
+                    <a:srgbClr val="FFFFFF"/>
+                  </a:gs>
+                  <a:gs pos="100000">
+                    <a:srgbClr val="FFFFFF"/>
+                  </a:gs>
+                </a:gsLst>
+                <a:lin ang="5400000" scaled="0"/>
+              </a:gradFill>
+              <a:ea typeface="Segoe UI" pitchFamily="34" charset="0"/>
+              <a:cs typeface="Segoe UI" pitchFamily="34" charset="0"/>
+            </a:endParaRPr>
+          </a:p>
+        </p:txBody>
+      </p:sp>
+      <p:cxnSp>
+        <p:nvCxnSpPr>
+          <p:cNvPr id="7" name="Straight Arrow Connector 6">
+            <a:extLst>
+              <a:ext uri="{FF2B5EF4-FFF2-40B4-BE49-F238E27FC236}">
+                <a16:creationId xmlns:a16="http://schemas.microsoft.com/office/drawing/2014/main" id="{5755F04E-1C5F-4395-8921-9BAD5C2F5E17}"/>
+              </a:ext>
+            </a:extLst>
+          </p:cNvPr>
+          <p:cNvCxnSpPr>
+            <a:stCxn id="3" idx="3"/>
+            <a:endCxn id="4" idx="1"/>
+          </p:cNvCxnSpPr>
+          <p:nvPr/>
+        </p:nvCxnSpPr>
+        <p:spPr>
+          <a:xfrm>
+            <a:off x="3214540" y="3999322"/>
+            <a:ext cx="1085653" cy="0"/>
+          </a:xfrm>
+          <a:prstGeom prst="straightConnector1">
+            <a:avLst/>
+          </a:prstGeom>
+          <a:ln>
+            <a:solidFill>
+              <a:schemeClr val="tx1"/>
+            </a:solidFill>
+            <a:headEnd type="none"/>
+            <a:tailEnd type="triangle"/>
+          </a:ln>
+        </p:spPr>
+        <p:style>
+          <a:lnRef idx="1">
+            <a:schemeClr val="accent1"/>
+          </a:lnRef>
+          <a:fillRef idx="0">
+            <a:schemeClr val="accent1"/>
+          </a:fillRef>
+          <a:effectRef idx="0">
+            <a:schemeClr val="accent1"/>
+          </a:effectRef>
+          <a:fontRef idx="minor">
+            <a:schemeClr val="tx1"/>
+          </a:fontRef>
+        </p:style>
+      </p:cxnSp>
+      <p:cxnSp>
+        <p:nvCxnSpPr>
+          <p:cNvPr id="9" name="Straight Arrow Connector 8">
+            <a:extLst>
+              <a:ext uri="{FF2B5EF4-FFF2-40B4-BE49-F238E27FC236}">
+                <a16:creationId xmlns:a16="http://schemas.microsoft.com/office/drawing/2014/main" id="{B52ECBEB-F9E5-4199-955C-35ADB648FF91}"/>
+              </a:ext>
+            </a:extLst>
+          </p:cNvPr>
+          <p:cNvCxnSpPr>
+            <a:stCxn id="4" idx="3"/>
+          </p:cNvCxnSpPr>
+          <p:nvPr/>
+        </p:nvCxnSpPr>
+        <p:spPr>
+          <a:xfrm>
+            <a:off x="6647468" y="3999322"/>
+            <a:ext cx="944251" cy="0"/>
+          </a:xfrm>
+          <a:prstGeom prst="straightConnector1">
+            <a:avLst/>
+          </a:prstGeom>
+          <a:ln>
+            <a:solidFill>
+              <a:schemeClr val="tx1"/>
+            </a:solidFill>
+            <a:headEnd type="none"/>
+            <a:tailEnd type="triangle"/>
+          </a:ln>
+        </p:spPr>
+        <p:style>
+          <a:lnRef idx="1">
+            <a:schemeClr val="accent1"/>
+          </a:lnRef>
+          <a:fillRef idx="0">
+            <a:schemeClr val="accent1"/>
+          </a:fillRef>
+          <a:effectRef idx="0">
+            <a:schemeClr val="accent1"/>
+          </a:effectRef>
+          <a:fontRef idx="minor">
+            <a:schemeClr val="tx1"/>
+          </a:fontRef>
+        </p:style>
+      </p:cxnSp>
+      <p:sp>
+        <p:nvSpPr>
+          <p:cNvPr id="10" name="Rectangle 9">
+            <a:extLst>
+              <a:ext uri="{FF2B5EF4-FFF2-40B4-BE49-F238E27FC236}">
+                <a16:creationId xmlns:a16="http://schemas.microsoft.com/office/drawing/2014/main" id="{5F0ECE3F-953A-4827-A028-B5CC1C456491}"/>
+              </a:ext>
+            </a:extLst>
+          </p:cNvPr>
+          <p:cNvSpPr/>
+          <p:nvPr/>
+        </p:nvSpPr>
+        <p:spPr bwMode="auto">
+          <a:xfrm>
+            <a:off x="7821105" y="2127620"/>
+            <a:ext cx="3007149" cy="1140643"/>
+          </a:xfrm>
+          <a:prstGeom prst="rect">
+            <a:avLst/>
+          </a:prstGeom>
+          <a:solidFill>
+            <a:schemeClr val="accent3">
+              <a:lumMod val="90000"/>
+            </a:schemeClr>
+          </a:solidFill>
+          <a:ln>
+            <a:noFill/>
+            <a:headEnd type="none" w="med" len="med"/>
+            <a:tailEnd type="none" w="med" len="med"/>
+          </a:ln>
+          <a:effectLst/>
+        </p:spPr>
+        <p:style>
+          <a:lnRef idx="1">
+            <a:schemeClr val="accent2"/>
+          </a:lnRef>
+          <a:fillRef idx="3">
+            <a:schemeClr val="accent2"/>
+          </a:fillRef>
+          <a:effectRef idx="2">
+            <a:schemeClr val="accent2"/>
+          </a:effectRef>
+          <a:fontRef idx="minor">
+            <a:schemeClr val="lt1"/>
+          </a:fontRef>
+        </p:style>
+        <p:txBody>
+          <a:bodyPr lIns="91440" tIns="91440" rIns="34294" bIns="34294" rtlCol="0" anchor="ctr" anchorCtr="0"/>
+          <a:lstStyle/>
+          <a:p>
+            <a:pPr algn="ctr" defTabSz="932406"/>
+            <a:r>
+              <a:rPr lang="es-ES" sz="2400" dirty="0" err="1">
+                <a:gradFill>
+                  <a:gsLst>
+                    <a:gs pos="0">
+                      <a:srgbClr val="FFFFFF"/>
+                    </a:gs>
+                    <a:gs pos="100000">
+                      <a:srgbClr val="FFFFFF"/>
+                    </a:gs>
+                  </a:gsLst>
+                  <a:lin ang="5400000" scaled="0"/>
+                </a:gradFill>
+                <a:ea typeface="Segoe UI" pitchFamily="34" charset="0"/>
+                <a:cs typeface="Segoe UI" pitchFamily="34" charset="0"/>
+              </a:rPr>
+              <a:t>Layout</a:t>
+            </a:r>
+            <a:r>
+              <a:rPr lang="es-ES" sz="2400" dirty="0">
+                <a:gradFill>
+                  <a:gsLst>
+                    <a:gs pos="0">
+                      <a:srgbClr val="FFFFFF"/>
+                    </a:gs>
+                    <a:gs pos="100000">
+                      <a:srgbClr val="FFFFFF"/>
+                    </a:gs>
+                  </a:gsLst>
+                  <a:lin ang="5400000" scaled="0"/>
+                </a:gradFill>
+                <a:ea typeface="Segoe UI" pitchFamily="34" charset="0"/>
+                <a:cs typeface="Segoe UI" pitchFamily="34" charset="0"/>
+              </a:rPr>
+              <a:t> (</a:t>
+            </a:r>
+            <a:r>
+              <a:rPr lang="es-ES" sz="2400" dirty="0" err="1">
+                <a:gradFill>
+                  <a:gsLst>
+                    <a:gs pos="0">
+                      <a:srgbClr val="FFFFFF"/>
+                    </a:gs>
+                    <a:gs pos="100000">
+                      <a:srgbClr val="FFFFFF"/>
+                    </a:gs>
+                  </a:gsLst>
+                  <a:lin ang="5400000" scaled="0"/>
+                </a:gradFill>
+                <a:ea typeface="Segoe UI" pitchFamily="34" charset="0"/>
+                <a:cs typeface="Segoe UI" pitchFamily="34" charset="0"/>
+              </a:rPr>
+              <a:t>StackLayout</a:t>
+            </a:r>
+            <a:r>
+              <a:rPr lang="es-ES" sz="2400" dirty="0">
+                <a:gradFill>
+                  <a:gsLst>
+                    <a:gs pos="0">
+                      <a:srgbClr val="FFFFFF"/>
+                    </a:gs>
+                    <a:gs pos="100000">
+                      <a:srgbClr val="FFFFFF"/>
+                    </a:gs>
+                  </a:gsLst>
+                  <a:lin ang="5400000" scaled="0"/>
+                </a:gradFill>
+                <a:ea typeface="Segoe UI" pitchFamily="34" charset="0"/>
+                <a:cs typeface="Segoe UI" pitchFamily="34" charset="0"/>
+              </a:rPr>
+              <a:t>)</a:t>
+            </a:r>
+            <a:endParaRPr lang="en-US" sz="800" dirty="0">
+              <a:gradFill>
+                <a:gsLst>
+                  <a:gs pos="0">
+                    <a:srgbClr val="FFFFFF"/>
+                  </a:gs>
+                  <a:gs pos="100000">
+                    <a:srgbClr val="FFFFFF"/>
+                  </a:gs>
+                </a:gsLst>
+                <a:lin ang="5400000" scaled="0"/>
+              </a:gradFill>
+              <a:ea typeface="Segoe UI" pitchFamily="34" charset="0"/>
+              <a:cs typeface="Segoe UI" pitchFamily="34" charset="0"/>
+            </a:endParaRPr>
+          </a:p>
+        </p:txBody>
+      </p:sp>
+      <p:cxnSp>
+        <p:nvCxnSpPr>
+          <p:cNvPr id="18" name="Straight Connector 17">
+            <a:extLst>
+              <a:ext uri="{FF2B5EF4-FFF2-40B4-BE49-F238E27FC236}">
+                <a16:creationId xmlns:a16="http://schemas.microsoft.com/office/drawing/2014/main" id="{4DFC86A5-74FA-4F13-92FF-6A580CF496E8}"/>
+              </a:ext>
+            </a:extLst>
+          </p:cNvPr>
+          <p:cNvCxnSpPr>
+            <a:endCxn id="16" idx="2"/>
+          </p:cNvCxnSpPr>
+          <p:nvPr/>
+        </p:nvCxnSpPr>
+        <p:spPr>
+          <a:xfrm>
+            <a:off x="9324677" y="3268263"/>
+            <a:ext cx="1" cy="2843421"/>
+          </a:xfrm>
+          <a:prstGeom prst="line">
+            <a:avLst/>
+          </a:prstGeom>
+          <a:ln>
+            <a:headEnd type="none"/>
+            <a:tailEnd type="none"/>
+          </a:ln>
+        </p:spPr>
+        <p:style>
+          <a:lnRef idx="1">
+            <a:schemeClr val="accent3"/>
+          </a:lnRef>
+          <a:fillRef idx="0">
+            <a:schemeClr val="accent3"/>
+          </a:fillRef>
+          <a:effectRef idx="0">
+            <a:schemeClr val="accent3"/>
+          </a:effectRef>
+          <a:fontRef idx="minor">
+            <a:schemeClr val="tx1"/>
+          </a:fontRef>
+        </p:style>
+      </p:cxnSp>
+      <p:sp>
+        <p:nvSpPr>
+          <p:cNvPr id="12" name="Rectangle 11">
+            <a:extLst>
+              <a:ext uri="{FF2B5EF4-FFF2-40B4-BE49-F238E27FC236}">
+                <a16:creationId xmlns:a16="http://schemas.microsoft.com/office/drawing/2014/main" id="{0365ECF7-01F0-4EA6-B9C4-806FCA78B45D}"/>
+              </a:ext>
+            </a:extLst>
+          </p:cNvPr>
+          <p:cNvSpPr/>
+          <p:nvPr/>
+        </p:nvSpPr>
+        <p:spPr bwMode="auto">
+          <a:xfrm>
+            <a:off x="7821105" y="3429001"/>
+            <a:ext cx="3007149" cy="430314"/>
+          </a:xfrm>
+          <a:prstGeom prst="rect">
+            <a:avLst/>
+          </a:prstGeom>
+          <a:solidFill>
+            <a:schemeClr val="accent3">
+              <a:lumMod val="90000"/>
+            </a:schemeClr>
+          </a:solidFill>
+          <a:ln>
+            <a:noFill/>
+            <a:headEnd type="none" w="med" len="med"/>
+            <a:tailEnd type="none" w="med" len="med"/>
+          </a:ln>
+          <a:effectLst/>
+        </p:spPr>
+        <p:style>
+          <a:lnRef idx="1">
+            <a:schemeClr val="accent2"/>
+          </a:lnRef>
+          <a:fillRef idx="3">
+            <a:schemeClr val="accent2"/>
+          </a:fillRef>
+          <a:effectRef idx="2">
+            <a:schemeClr val="accent2"/>
+          </a:effectRef>
+          <a:fontRef idx="minor">
+            <a:schemeClr val="lt1"/>
+          </a:fontRef>
+        </p:style>
+        <p:txBody>
+          <a:bodyPr lIns="91440" tIns="91440" rIns="34294" bIns="34294" rtlCol="0" anchor="ctr" anchorCtr="0"/>
+          <a:lstStyle/>
+          <a:p>
+            <a:pPr algn="ctr" defTabSz="932406"/>
+            <a:r>
+              <a:rPr lang="es-ES" sz="2400" dirty="0" err="1">
+                <a:gradFill>
+                  <a:gsLst>
+                    <a:gs pos="0">
+                      <a:srgbClr val="FFFFFF"/>
+                    </a:gs>
+                    <a:gs pos="100000">
+                      <a:srgbClr val="FFFFFF"/>
+                    </a:gs>
+                  </a:gsLst>
+                  <a:lin ang="5400000" scaled="0"/>
+                </a:gradFill>
+                <a:ea typeface="Segoe UI" pitchFamily="34" charset="0"/>
+                <a:cs typeface="Segoe UI" pitchFamily="34" charset="0"/>
+              </a:rPr>
+              <a:t>Label</a:t>
+            </a:r>
+            <a:endParaRPr lang="en-US" sz="800" dirty="0">
+              <a:gradFill>
+                <a:gsLst>
+                  <a:gs pos="0">
+                    <a:srgbClr val="FFFFFF"/>
+                  </a:gs>
+                  <a:gs pos="100000">
+                    <a:srgbClr val="FFFFFF"/>
+                  </a:gs>
+                </a:gsLst>
+                <a:lin ang="5400000" scaled="0"/>
+              </a:gradFill>
+              <a:ea typeface="Segoe UI" pitchFamily="34" charset="0"/>
+              <a:cs typeface="Segoe UI" pitchFamily="34" charset="0"/>
+            </a:endParaRPr>
+          </a:p>
+        </p:txBody>
+      </p:sp>
+      <p:sp>
+        <p:nvSpPr>
+          <p:cNvPr id="13" name="Rectangle 12">
+            <a:extLst>
+              <a:ext uri="{FF2B5EF4-FFF2-40B4-BE49-F238E27FC236}">
+                <a16:creationId xmlns:a16="http://schemas.microsoft.com/office/drawing/2014/main" id="{56FA6219-06F7-42A6-97C4-08F1EEF6C5DC}"/>
+              </a:ext>
+            </a:extLst>
+          </p:cNvPr>
+          <p:cNvSpPr/>
+          <p:nvPr/>
+        </p:nvSpPr>
+        <p:spPr bwMode="auto">
+          <a:xfrm>
+            <a:off x="7821104" y="3991551"/>
+            <a:ext cx="3007149" cy="430314"/>
+          </a:xfrm>
+          <a:prstGeom prst="rect">
+            <a:avLst/>
+          </a:prstGeom>
+          <a:solidFill>
+            <a:schemeClr val="accent3">
+              <a:lumMod val="90000"/>
+            </a:schemeClr>
+          </a:solidFill>
+          <a:ln>
+            <a:noFill/>
+            <a:headEnd type="none" w="med" len="med"/>
+            <a:tailEnd type="none" w="med" len="med"/>
+          </a:ln>
+          <a:effectLst/>
+        </p:spPr>
+        <p:style>
+          <a:lnRef idx="1">
+            <a:schemeClr val="accent2"/>
+          </a:lnRef>
+          <a:fillRef idx="3">
+            <a:schemeClr val="accent2"/>
+          </a:fillRef>
+          <a:effectRef idx="2">
+            <a:schemeClr val="accent2"/>
+          </a:effectRef>
+          <a:fontRef idx="minor">
+            <a:schemeClr val="lt1"/>
+          </a:fontRef>
+        </p:style>
+        <p:txBody>
+          <a:bodyPr lIns="91440" tIns="91440" rIns="34294" bIns="34294" rtlCol="0" anchor="ctr" anchorCtr="0"/>
+          <a:lstStyle/>
+          <a:p>
+            <a:pPr algn="ctr" defTabSz="932406"/>
+            <a:r>
+              <a:rPr lang="es-ES" sz="2400" dirty="0" err="1">
+                <a:gradFill>
+                  <a:gsLst>
+                    <a:gs pos="0">
+                      <a:srgbClr val="FFFFFF"/>
+                    </a:gs>
+                    <a:gs pos="100000">
+                      <a:srgbClr val="FFFFFF"/>
+                    </a:gs>
+                  </a:gsLst>
+                  <a:lin ang="5400000" scaled="0"/>
+                </a:gradFill>
+                <a:ea typeface="Segoe UI" pitchFamily="34" charset="0"/>
+                <a:cs typeface="Segoe UI" pitchFamily="34" charset="0"/>
+              </a:rPr>
+              <a:t>Entry</a:t>
+            </a:r>
+            <a:endParaRPr lang="en-US" sz="800" dirty="0">
+              <a:gradFill>
+                <a:gsLst>
+                  <a:gs pos="0">
+                    <a:srgbClr val="FFFFFF"/>
+                  </a:gs>
+                  <a:gs pos="100000">
+                    <a:srgbClr val="FFFFFF"/>
+                  </a:gs>
+                </a:gsLst>
+                <a:lin ang="5400000" scaled="0"/>
+              </a:gradFill>
+              <a:ea typeface="Segoe UI" pitchFamily="34" charset="0"/>
+              <a:cs typeface="Segoe UI" pitchFamily="34" charset="0"/>
+            </a:endParaRPr>
+          </a:p>
+        </p:txBody>
+      </p:sp>
+      <p:sp>
+        <p:nvSpPr>
+          <p:cNvPr id="14" name="Rectangle 13">
+            <a:extLst>
+              <a:ext uri="{FF2B5EF4-FFF2-40B4-BE49-F238E27FC236}">
+                <a16:creationId xmlns:a16="http://schemas.microsoft.com/office/drawing/2014/main" id="{FB32A93A-B673-4637-AD15-755EBE6B4501}"/>
+              </a:ext>
+            </a:extLst>
+          </p:cNvPr>
+          <p:cNvSpPr/>
+          <p:nvPr/>
+        </p:nvSpPr>
+        <p:spPr bwMode="auto">
+          <a:xfrm>
+            <a:off x="7821105" y="4587926"/>
+            <a:ext cx="3007149" cy="430314"/>
+          </a:xfrm>
+          <a:prstGeom prst="rect">
+            <a:avLst/>
+          </a:prstGeom>
+          <a:solidFill>
+            <a:schemeClr val="accent3">
+              <a:lumMod val="90000"/>
+            </a:schemeClr>
+          </a:solidFill>
+          <a:ln>
+            <a:noFill/>
+            <a:headEnd type="none" w="med" len="med"/>
+            <a:tailEnd type="none" w="med" len="med"/>
+          </a:ln>
+          <a:effectLst/>
+        </p:spPr>
+        <p:style>
+          <a:lnRef idx="1">
+            <a:schemeClr val="accent2"/>
+          </a:lnRef>
+          <a:fillRef idx="3">
+            <a:schemeClr val="accent2"/>
+          </a:fillRef>
+          <a:effectRef idx="2">
+            <a:schemeClr val="accent2"/>
+          </a:effectRef>
+          <a:fontRef idx="minor">
+            <a:schemeClr val="lt1"/>
+          </a:fontRef>
+        </p:style>
+        <p:txBody>
+          <a:bodyPr lIns="91440" tIns="91440" rIns="34294" bIns="34294" rtlCol="0" anchor="ctr" anchorCtr="0"/>
+          <a:lstStyle/>
+          <a:p>
+            <a:pPr algn="ctr" defTabSz="932406"/>
+            <a:r>
+              <a:rPr lang="es-ES" sz="2400" dirty="0" err="1">
+                <a:gradFill>
+                  <a:gsLst>
+                    <a:gs pos="0">
+                      <a:srgbClr val="FFFFFF"/>
+                    </a:gs>
+                    <a:gs pos="100000">
+                      <a:srgbClr val="FFFFFF"/>
+                    </a:gs>
+                  </a:gsLst>
+                  <a:lin ang="5400000" scaled="0"/>
+                </a:gradFill>
+                <a:ea typeface="Segoe UI" pitchFamily="34" charset="0"/>
+                <a:cs typeface="Segoe UI" pitchFamily="34" charset="0"/>
+              </a:rPr>
+              <a:t>Label</a:t>
+            </a:r>
+            <a:endParaRPr lang="en-US" sz="800" dirty="0">
+              <a:gradFill>
+                <a:gsLst>
+                  <a:gs pos="0">
+                    <a:srgbClr val="FFFFFF"/>
+                  </a:gs>
+                  <a:gs pos="100000">
+                    <a:srgbClr val="FFFFFF"/>
+                  </a:gs>
+                </a:gsLst>
+                <a:lin ang="5400000" scaled="0"/>
+              </a:gradFill>
+              <a:ea typeface="Segoe UI" pitchFamily="34" charset="0"/>
+              <a:cs typeface="Segoe UI" pitchFamily="34" charset="0"/>
+            </a:endParaRPr>
+          </a:p>
+        </p:txBody>
+      </p:sp>
+      <p:sp>
+        <p:nvSpPr>
+          <p:cNvPr id="15" name="Rectangle 14">
+            <a:extLst>
+              <a:ext uri="{FF2B5EF4-FFF2-40B4-BE49-F238E27FC236}">
+                <a16:creationId xmlns:a16="http://schemas.microsoft.com/office/drawing/2014/main" id="{42C4DD8C-A77B-4B18-A6F2-78FE76591BA4}"/>
+              </a:ext>
+            </a:extLst>
+          </p:cNvPr>
+          <p:cNvSpPr/>
+          <p:nvPr/>
+        </p:nvSpPr>
+        <p:spPr bwMode="auto">
+          <a:xfrm>
+            <a:off x="7821105" y="5150476"/>
+            <a:ext cx="3007149" cy="430314"/>
+          </a:xfrm>
+          <a:prstGeom prst="rect">
+            <a:avLst/>
+          </a:prstGeom>
+          <a:solidFill>
+            <a:schemeClr val="accent3">
+              <a:lumMod val="90000"/>
+            </a:schemeClr>
+          </a:solidFill>
+          <a:ln>
+            <a:noFill/>
+            <a:headEnd type="none" w="med" len="med"/>
+            <a:tailEnd type="none" w="med" len="med"/>
+          </a:ln>
+          <a:effectLst/>
+        </p:spPr>
+        <p:style>
+          <a:lnRef idx="1">
+            <a:schemeClr val="accent2"/>
+          </a:lnRef>
+          <a:fillRef idx="3">
+            <a:schemeClr val="accent2"/>
+          </a:fillRef>
+          <a:effectRef idx="2">
+            <a:schemeClr val="accent2"/>
+          </a:effectRef>
+          <a:fontRef idx="minor">
+            <a:schemeClr val="lt1"/>
+          </a:fontRef>
+        </p:style>
+        <p:txBody>
+          <a:bodyPr lIns="91440" tIns="91440" rIns="34294" bIns="34294" rtlCol="0" anchor="ctr" anchorCtr="0"/>
+          <a:lstStyle/>
+          <a:p>
+            <a:pPr algn="ctr" defTabSz="932406"/>
+            <a:r>
+              <a:rPr lang="es-ES" sz="2400" dirty="0" err="1">
+                <a:gradFill>
+                  <a:gsLst>
+                    <a:gs pos="0">
+                      <a:srgbClr val="FFFFFF"/>
+                    </a:gs>
+                    <a:gs pos="100000">
+                      <a:srgbClr val="FFFFFF"/>
+                    </a:gs>
+                  </a:gsLst>
+                  <a:lin ang="5400000" scaled="0"/>
+                </a:gradFill>
+                <a:ea typeface="Segoe UI" pitchFamily="34" charset="0"/>
+                <a:cs typeface="Segoe UI" pitchFamily="34" charset="0"/>
+              </a:rPr>
+              <a:t>Entry</a:t>
+            </a:r>
+            <a:endParaRPr lang="en-US" sz="800" dirty="0">
+              <a:gradFill>
+                <a:gsLst>
+                  <a:gs pos="0">
+                    <a:srgbClr val="FFFFFF"/>
+                  </a:gs>
+                  <a:gs pos="100000">
+                    <a:srgbClr val="FFFFFF"/>
+                  </a:gs>
+                </a:gsLst>
+                <a:lin ang="5400000" scaled="0"/>
+              </a:gradFill>
+              <a:ea typeface="Segoe UI" pitchFamily="34" charset="0"/>
+              <a:cs typeface="Segoe UI" pitchFamily="34" charset="0"/>
+            </a:endParaRPr>
+          </a:p>
+        </p:txBody>
+      </p:sp>
+      <p:sp>
+        <p:nvSpPr>
+          <p:cNvPr id="16" name="Rectangle 15">
+            <a:extLst>
+              <a:ext uri="{FF2B5EF4-FFF2-40B4-BE49-F238E27FC236}">
+                <a16:creationId xmlns:a16="http://schemas.microsoft.com/office/drawing/2014/main" id="{2AD6937A-865B-4EEA-9DB8-A5BDA4D00AA2}"/>
+              </a:ext>
+            </a:extLst>
+          </p:cNvPr>
+          <p:cNvSpPr/>
+          <p:nvPr/>
+        </p:nvSpPr>
+        <p:spPr bwMode="auto">
+          <a:xfrm>
+            <a:off x="7821103" y="5681370"/>
+            <a:ext cx="3007149" cy="430314"/>
+          </a:xfrm>
+          <a:prstGeom prst="rect">
+            <a:avLst/>
+          </a:prstGeom>
+          <a:solidFill>
+            <a:schemeClr val="accent3">
+              <a:lumMod val="90000"/>
+            </a:schemeClr>
+          </a:solidFill>
+          <a:ln>
+            <a:noFill/>
+            <a:headEnd type="none" w="med" len="med"/>
+            <a:tailEnd type="none" w="med" len="med"/>
+          </a:ln>
+          <a:effectLst/>
+        </p:spPr>
+        <p:style>
+          <a:lnRef idx="1">
+            <a:schemeClr val="accent2"/>
+          </a:lnRef>
+          <a:fillRef idx="3">
+            <a:schemeClr val="accent2"/>
+          </a:fillRef>
+          <a:effectRef idx="2">
+            <a:schemeClr val="accent2"/>
+          </a:effectRef>
+          <a:fontRef idx="minor">
+            <a:schemeClr val="lt1"/>
+          </a:fontRef>
+        </p:style>
+        <p:txBody>
+          <a:bodyPr lIns="91440" tIns="91440" rIns="34294" bIns="34294" rtlCol="0" anchor="ctr" anchorCtr="0"/>
+          <a:lstStyle/>
+          <a:p>
+            <a:pPr algn="ctr" defTabSz="932406"/>
+            <a:r>
+              <a:rPr lang="es-ES" sz="2400" dirty="0" err="1">
+                <a:gradFill>
+                  <a:gsLst>
+                    <a:gs pos="0">
+                      <a:srgbClr val="FFFFFF"/>
+                    </a:gs>
+                    <a:gs pos="100000">
+                      <a:srgbClr val="FFFFFF"/>
+                    </a:gs>
+                  </a:gsLst>
+                  <a:lin ang="5400000" scaled="0"/>
+                </a:gradFill>
+                <a:ea typeface="Segoe UI" pitchFamily="34" charset="0"/>
+                <a:cs typeface="Segoe UI" pitchFamily="34" charset="0"/>
+              </a:rPr>
+              <a:t>Button</a:t>
+            </a:r>
+            <a:endParaRPr lang="en-US" sz="800" dirty="0">
+              <a:gradFill>
+                <a:gsLst>
+                  <a:gs pos="0">
+                    <a:srgbClr val="FFFFFF"/>
+                  </a:gs>
+                  <a:gs pos="100000">
+                    <a:srgbClr val="FFFFFF"/>
+                  </a:gs>
+                </a:gsLst>
+                <a:lin ang="5400000" scaled="0"/>
+              </a:gradFill>
+              <a:ea typeface="Segoe UI" pitchFamily="34" charset="0"/>
+              <a:cs typeface="Segoe UI" pitchFamily="34" charset="0"/>
+            </a:endParaRPr>
+          </a:p>
+        </p:txBody>
+      </p:sp>
+    </p:spTree>
+    <p:extLst>
+      <p:ext uri="{BB962C8B-B14F-4D97-AF65-F5344CB8AC3E}">
+        <p14:creationId xmlns:p14="http://schemas.microsoft.com/office/powerpoint/2010/main" val="1209895024"/>
+      </p:ext>
+    </p:extLst>
+  </p:cSld>
+  <p:clrMapOvr>
+    <a:masterClrMapping/>
+  </p:clrMapOvr>
+  <p:transition>
+    <p:fade/>
+  </p:transition>
+</p:sld>
+</file>
+
+<file path=ppt/slides/slide3.xml><?xml version="1.0" encoding="utf-8"?>
+<p:sld xmlns:a="http://schemas.openxmlformats.org/drawingml/2006/main" xmlns:r="http://schemas.openxmlformats.org/officeDocument/2006/relationships" xmlns:p="http://schemas.openxmlformats.org/presentationml/2006/main">
+  <p:cSld>
+    <p:spTree>
+      <p:nvGrpSpPr>
+        <p:cNvPr id="1" name=""/>
+        <p:cNvGrpSpPr/>
+        <p:nvPr/>
+      </p:nvGrpSpPr>
+      <p:grpSpPr>
+        <a:xfrm>
+          <a:off x="0" y="0"/>
+          <a:ext cx="0" cy="0"/>
+          <a:chOff x="0" y="0"/>
+          <a:chExt cx="0" cy="0"/>
+        </a:xfrm>
+      </p:grpSpPr>
+      <p:sp>
+        <p:nvSpPr>
+          <p:cNvPr id="3" name="Title 2">
+            <a:extLst>
+              <a:ext uri="{FF2B5EF4-FFF2-40B4-BE49-F238E27FC236}">
+                <a16:creationId xmlns:a16="http://schemas.microsoft.com/office/drawing/2014/main" id="{652E2BA4-9FC0-4828-A940-3704183398DF}"/>
+              </a:ext>
+            </a:extLst>
+          </p:cNvPr>
+          <p:cNvSpPr>
+            <a:spLocks noGrp="1"/>
+          </p:cNvSpPr>
+          <p:nvPr>
+            <p:ph type="title"/>
+          </p:nvPr>
+        </p:nvSpPr>
+        <p:spPr/>
+        <p:txBody>
+          <a:bodyPr/>
+          <a:lstStyle/>
+          <a:p>
+            <a:r>
+              <a:rPr lang="es-ES" sz="7200" dirty="0">
+                <a:solidFill>
+                  <a:schemeClr val="bg1"/>
+                </a:solidFill>
+              </a:rPr>
+              <a:t>Live Visual </a:t>
+            </a:r>
+            <a:r>
+              <a:rPr lang="es-ES" sz="7200" dirty="0" err="1">
+                <a:solidFill>
+                  <a:schemeClr val="bg1"/>
+                </a:solidFill>
+              </a:rPr>
+              <a:t>Tree</a:t>
+            </a:r>
+            <a:endParaRPr lang="en-US" sz="7200" dirty="0">
+              <a:solidFill>
+                <a:schemeClr val="bg1"/>
+              </a:solidFill>
+            </a:endParaRPr>
+          </a:p>
+        </p:txBody>
+      </p:sp>
+    </p:spTree>
+    <p:extLst>
+      <p:ext uri="{BB962C8B-B14F-4D97-AF65-F5344CB8AC3E}">
+        <p14:creationId xmlns:p14="http://schemas.microsoft.com/office/powerpoint/2010/main" val="3795879355"/>
+      </p:ext>
+    </p:extLst>
+  </p:cSld>
+  <p:clrMapOvr>
+    <a:masterClrMapping/>
+  </p:clrMapOvr>
+  <p:transition spd="med"/>
+</p:sld>
+</file>
+
+<file path=ppt/slides/slide4.xml><?xml version="1.0" encoding="utf-8"?>
+<p:sld xmlns:a="http://schemas.openxmlformats.org/drawingml/2006/main" xmlns:r="http://schemas.openxmlformats.org/officeDocument/2006/relationships" xmlns:p="http://schemas.openxmlformats.org/presentationml/2006/main">
+  <p:cSld>
+    <p:spTree>
+      <p:nvGrpSpPr>
+        <p:cNvPr id="1" name=""/>
+        <p:cNvGrpSpPr/>
+        <p:nvPr/>
+      </p:nvGrpSpPr>
+      <p:grpSpPr>
+        <a:xfrm>
+          <a:off x="0" y="0"/>
+          <a:ext cx="0" cy="0"/>
+          <a:chOff x="0" y="0"/>
+          <a:chExt cx="0" cy="0"/>
+        </a:xfrm>
+      </p:grpSpPr>
+      <p:sp>
+        <p:nvSpPr>
+          <p:cNvPr id="5" name="Title 1">
+            <a:extLst>
+              <a:ext uri="{FF2B5EF4-FFF2-40B4-BE49-F238E27FC236}">
+                <a16:creationId xmlns:a16="http://schemas.microsoft.com/office/drawing/2014/main" id="{01388D49-B47C-45BB-B53B-F6092580BE6E}"/>
+              </a:ext>
+            </a:extLst>
+          </p:cNvPr>
+          <p:cNvSpPr>
+            <a:spLocks noGrp="1"/>
+          </p:cNvSpPr>
+          <p:nvPr>
+            <p:ph type="title"/>
+          </p:nvPr>
+        </p:nvSpPr>
+        <p:spPr>
+          <a:xfrm>
+            <a:off x="457200" y="1123122"/>
+            <a:ext cx="7706412" cy="591378"/>
+          </a:xfrm>
+        </p:spPr>
+        <p:txBody>
+          <a:bodyPr>
+            <a:noAutofit/>
+          </a:bodyPr>
+          <a:lstStyle/>
+          <a:p>
+            <a:r>
+              <a:rPr lang="es-ES" sz="3200" dirty="0">
+                <a:latin typeface="Segoe UI Semibold"/>
+                <a:cs typeface="Segoe UI Semibold"/>
+              </a:rPr>
+              <a:t>Live Visual </a:t>
+            </a:r>
+            <a:r>
+              <a:rPr lang="es-ES" sz="3200" dirty="0" err="1">
+                <a:latin typeface="Segoe UI Semibold"/>
+                <a:cs typeface="Segoe UI Semibold"/>
+              </a:rPr>
+              <a:t>Tree</a:t>
+            </a:r>
+            <a:endParaRPr lang="en-US" sz="3200" dirty="0"/>
+          </a:p>
+        </p:txBody>
+      </p:sp>
+      <p:sp>
+        <p:nvSpPr>
+          <p:cNvPr id="6" name="Content Placeholder 2">
+            <a:extLst>
+              <a:ext uri="{FF2B5EF4-FFF2-40B4-BE49-F238E27FC236}">
+                <a16:creationId xmlns:a16="http://schemas.microsoft.com/office/drawing/2014/main" id="{AC81F8B9-8203-4DB3-932F-AB15DF79780D}"/>
+              </a:ext>
+            </a:extLst>
+          </p:cNvPr>
+          <p:cNvSpPr txBox="1">
+            <a:spLocks/>
+          </p:cNvSpPr>
+          <p:nvPr/>
+        </p:nvSpPr>
+        <p:spPr>
+          <a:xfrm>
+            <a:off x="457200" y="2142642"/>
+            <a:ext cx="11222610" cy="798521"/>
+          </a:xfrm>
+          <a:prstGeom prst="rect">
+            <a:avLst/>
+          </a:prstGeom>
+        </p:spPr>
+        <p:txBody>
+          <a:bodyPr vert="horz" lIns="91440" tIns="45720" rIns="91440" bIns="45720" rtlCol="0" anchor="t">
+            <a:noAutofit/>
+          </a:bodyPr>
+          <a:lstStyle>
+            <a:lvl1pPr marL="336145" marR="0" indent="-336145" algn="l" defTabSz="914367" rtl="0" eaLnBrk="1" fontAlgn="auto" latinLnBrk="0" hangingPunct="1">
+              <a:lnSpc>
+                <a:spcPct val="90000"/>
+              </a:lnSpc>
+              <a:spcBef>
+                <a:spcPct val="20000"/>
+              </a:spcBef>
+              <a:spcAft>
+                <a:spcPts val="0"/>
+              </a:spcAft>
+              <a:buClrTx/>
+              <a:buSzPct val="90000"/>
+              <a:buFont typeface="Arial" pitchFamily="34" charset="0"/>
+              <a:buChar char="•"/>
+              <a:tabLst/>
+              <a:defRPr sz="3921" kern="1200" spc="0" baseline="0">
+                <a:gradFill>
+                  <a:gsLst>
+                    <a:gs pos="1250">
+                      <a:schemeClr val="tx1"/>
+                    </a:gs>
+                    <a:gs pos="100000">
+                      <a:schemeClr val="tx1"/>
+                    </a:gs>
+                  </a:gsLst>
+                  <a:lin ang="5400000" scaled="0"/>
+                </a:gradFill>
+                <a:latin typeface="+mj-lt"/>
+                <a:ea typeface="+mn-ea"/>
+                <a:cs typeface="+mn-cs"/>
+              </a:defRPr>
+            </a:lvl1pPr>
+            <a:lvl2pPr marL="572691" marR="0" indent="-236546" algn="l" defTabSz="914367" rtl="0" eaLnBrk="1" fontAlgn="auto" latinLnBrk="0" hangingPunct="1">
+              <a:lnSpc>
+                <a:spcPct val="90000"/>
+              </a:lnSpc>
+              <a:spcBef>
+                <a:spcPct val="20000"/>
+              </a:spcBef>
+              <a:spcAft>
+                <a:spcPts val="0"/>
+              </a:spcAft>
+              <a:buClrTx/>
+              <a:buSzPct val="90000"/>
+              <a:buFont typeface="Arial" pitchFamily="34" charset="0"/>
+              <a:buChar char="•"/>
+              <a:tabLst/>
+              <a:defRPr sz="2353" kern="1200" spc="0" baseline="0">
+                <a:gradFill>
+                  <a:gsLst>
+                    <a:gs pos="1250">
+                      <a:schemeClr val="tx1"/>
+                    </a:gs>
+                    <a:gs pos="100000">
+                      <a:schemeClr val="tx1"/>
+                    </a:gs>
+                  </a:gsLst>
+                  <a:lin ang="5400000" scaled="0"/>
+                </a:gradFill>
+                <a:latin typeface="+mn-lt"/>
+                <a:ea typeface="+mn-ea"/>
+                <a:cs typeface="+mn-cs"/>
+              </a:defRPr>
+            </a:lvl2pPr>
+            <a:lvl3pPr marL="784338" marR="0" indent="-224097" algn="l" defTabSz="914367" rtl="0" eaLnBrk="1" fontAlgn="auto" latinLnBrk="0" hangingPunct="1">
+              <a:lnSpc>
+                <a:spcPct val="90000"/>
+              </a:lnSpc>
+              <a:spcBef>
+                <a:spcPct val="20000"/>
+              </a:spcBef>
+              <a:spcAft>
+                <a:spcPts val="0"/>
+              </a:spcAft>
+              <a:buClrTx/>
+              <a:buSzPct val="90000"/>
+              <a:buFont typeface="Arial" pitchFamily="34" charset="0"/>
+              <a:buChar char="•"/>
+              <a:tabLst/>
+              <a:defRPr sz="1961" kern="1200" spc="0" baseline="0">
+                <a:gradFill>
+                  <a:gsLst>
+                    <a:gs pos="1250">
+                      <a:schemeClr val="tx1"/>
+                    </a:gs>
+                    <a:gs pos="100000">
+                      <a:schemeClr val="tx1"/>
+                    </a:gs>
+                  </a:gsLst>
+                  <a:lin ang="5400000" scaled="0"/>
+                </a:gradFill>
+                <a:latin typeface="+mn-lt"/>
+                <a:ea typeface="+mn-ea"/>
+                <a:cs typeface="+mn-cs"/>
+              </a:defRPr>
+            </a:lvl3pPr>
+            <a:lvl4pPr marL="1008435" marR="0" indent="-224097" algn="l" defTabSz="914367" rtl="0" eaLnBrk="1" fontAlgn="auto" latinLnBrk="0" hangingPunct="1">
+              <a:lnSpc>
+                <a:spcPct val="90000"/>
+              </a:lnSpc>
+              <a:spcBef>
+                <a:spcPct val="20000"/>
+              </a:spcBef>
+              <a:spcAft>
+                <a:spcPts val="0"/>
+              </a:spcAft>
+              <a:buClrTx/>
+              <a:buSzPct val="90000"/>
+              <a:buFont typeface="Arial" pitchFamily="34" charset="0"/>
+              <a:buChar char="•"/>
+              <a:tabLst/>
+              <a:defRPr sz="1765" kern="1200" spc="0" baseline="0">
+                <a:gradFill>
+                  <a:gsLst>
+                    <a:gs pos="1250">
+                      <a:schemeClr val="tx1"/>
+                    </a:gs>
+                    <a:gs pos="100000">
+                      <a:schemeClr val="tx1"/>
+                    </a:gs>
+                  </a:gsLst>
+                  <a:lin ang="5400000" scaled="0"/>
+                </a:gradFill>
+                <a:latin typeface="+mn-lt"/>
+                <a:ea typeface="+mn-ea"/>
+                <a:cs typeface="+mn-cs"/>
+              </a:defRPr>
+            </a:lvl4pPr>
+            <a:lvl5pPr marL="1232531" marR="0" indent="-224097" algn="l" defTabSz="914367" rtl="0" eaLnBrk="1" fontAlgn="auto" latinLnBrk="0" hangingPunct="1">
+              <a:lnSpc>
+                <a:spcPct val="90000"/>
+              </a:lnSpc>
+              <a:spcBef>
+                <a:spcPct val="20000"/>
+              </a:spcBef>
+              <a:spcAft>
+                <a:spcPts val="0"/>
+              </a:spcAft>
+              <a:buClrTx/>
+              <a:buSzPct val="90000"/>
+              <a:buFont typeface="Arial" pitchFamily="34" charset="0"/>
+              <a:buChar char="•"/>
+              <a:tabLst/>
+              <a:defRPr sz="1765" kern="1200" spc="0" baseline="0">
+                <a:gradFill>
+                  <a:gsLst>
+                    <a:gs pos="1250">
+                      <a:schemeClr val="tx1"/>
+                    </a:gs>
+                    <a:gs pos="100000">
+                      <a:schemeClr val="tx1"/>
+                    </a:gs>
+                  </a:gsLst>
+                  <a:lin ang="5400000" scaled="0"/>
+                </a:gradFill>
+                <a:latin typeface="+mn-lt"/>
+                <a:ea typeface="+mn-ea"/>
+                <a:cs typeface="+mn-cs"/>
+              </a:defRPr>
+            </a:lvl5pPr>
+            <a:lvl6pPr marL="2514509" indent="-228592" algn="l" defTabSz="914367" rtl="0" eaLnBrk="1" latinLnBrk="0" hangingPunct="1">
+              <a:spcBef>
+                <a:spcPct val="20000"/>
+              </a:spcBef>
+              <a:buFont typeface="Arial" pitchFamily="34" charset="0"/>
+              <a:buChar char="•"/>
+              <a:defRPr sz="1961" kern="1200">
+                <a:solidFill>
+                  <a:schemeClr val="tx1"/>
+                </a:solidFill>
+                <a:latin typeface="+mn-lt"/>
+                <a:ea typeface="+mn-ea"/>
+                <a:cs typeface="+mn-cs"/>
+              </a:defRPr>
+            </a:lvl6pPr>
+            <a:lvl7pPr marL="2971693" indent="-228592" algn="l" defTabSz="914367" rtl="0" eaLnBrk="1" latinLnBrk="0" hangingPunct="1">
+              <a:spcBef>
+                <a:spcPct val="20000"/>
+              </a:spcBef>
+              <a:buFont typeface="Arial" pitchFamily="34" charset="0"/>
+              <a:buChar char="•"/>
+              <a:defRPr sz="1961" kern="1200">
+                <a:solidFill>
+                  <a:schemeClr val="tx1"/>
+                </a:solidFill>
+                <a:latin typeface="+mn-lt"/>
+                <a:ea typeface="+mn-ea"/>
+                <a:cs typeface="+mn-cs"/>
+              </a:defRPr>
+            </a:lvl7pPr>
+            <a:lvl8pPr marL="3428877" indent="-228592" algn="l" defTabSz="914367" rtl="0" eaLnBrk="1" latinLnBrk="0" hangingPunct="1">
+              <a:spcBef>
+                <a:spcPct val="20000"/>
+              </a:spcBef>
+              <a:buFont typeface="Arial" pitchFamily="34" charset="0"/>
+              <a:buChar char="•"/>
+              <a:defRPr sz="1961" kern="1200">
+                <a:solidFill>
+                  <a:schemeClr val="tx1"/>
+                </a:solidFill>
+                <a:latin typeface="+mn-lt"/>
+                <a:ea typeface="+mn-ea"/>
+                <a:cs typeface="+mn-cs"/>
+              </a:defRPr>
+            </a:lvl8pPr>
+            <a:lvl9pPr marL="3886061" indent="-228592" algn="l" defTabSz="914367" rtl="0" eaLnBrk="1" latinLnBrk="0" hangingPunct="1">
+              <a:spcBef>
+                <a:spcPct val="20000"/>
+              </a:spcBef>
+              <a:buFont typeface="Arial" pitchFamily="34" charset="0"/>
+              <a:buChar char="•"/>
+              <a:defRPr sz="1961" kern="1200">
+                <a:solidFill>
+                  <a:schemeClr val="tx1"/>
+                </a:solidFill>
+                <a:latin typeface="+mn-lt"/>
+                <a:ea typeface="+mn-ea"/>
+                <a:cs typeface="+mn-cs"/>
+              </a:defRPr>
+            </a:lvl9pPr>
+          </a:lstStyle>
+          <a:p>
+            <a:pPr marL="0" indent="0" algn="l">
+              <a:buNone/>
+            </a:pPr>
+            <a:r>
+              <a:rPr lang="es-ES" sz="1800" b="0" i="0" dirty="0" err="1">
+                <a:solidFill>
+                  <a:srgbClr val="171717"/>
+                </a:solidFill>
+                <a:effectLst/>
+                <a:latin typeface="Segoe UI" panose="020B0502040204020203" pitchFamily="34" charset="0"/>
+              </a:rPr>
+              <a:t>Podemoos</a:t>
+            </a:r>
+            <a:r>
+              <a:rPr lang="es-ES" sz="1800" b="0" i="0" dirty="0">
+                <a:solidFill>
+                  <a:srgbClr val="171717"/>
+                </a:solidFill>
+                <a:effectLst/>
+                <a:latin typeface="Segoe UI" panose="020B0502040204020203" pitchFamily="34" charset="0"/>
+              </a:rPr>
+              <a:t> ver una vista en tiempo real de la UI en ejecución con el árbol visual. Muestra una vista de árbol de los elementos de la interfaz de usuario de la aplicación en .NET MAUI en ejecución.</a:t>
+            </a:r>
+            <a:endParaRPr lang="es-ES" sz="1800" b="0" dirty="0">
+              <a:solidFill>
+                <a:srgbClr val="171717"/>
+              </a:solidFill>
+              <a:effectLst/>
+              <a:latin typeface="Segoe UI" panose="020B0502040204020203" pitchFamily="34" charset="0"/>
+            </a:endParaRPr>
+          </a:p>
+        </p:txBody>
+      </p:sp>
+      <p:pic>
+        <p:nvPicPr>
+          <p:cNvPr id="3" name="Picture 2">
+            <a:extLst>
+              <a:ext uri="{FF2B5EF4-FFF2-40B4-BE49-F238E27FC236}">
+                <a16:creationId xmlns:a16="http://schemas.microsoft.com/office/drawing/2014/main" id="{135F4D0C-5513-4B69-8126-809F7597084B}"/>
+              </a:ext>
+            </a:extLst>
+          </p:cNvPr>
+          <p:cNvPicPr>
+            <a:picLocks noChangeAspect="1"/>
+          </p:cNvPicPr>
+          <p:nvPr/>
+        </p:nvPicPr>
+        <p:blipFill>
+          <a:blip r:embed="rId2"/>
+          <a:stretch>
+            <a:fillRect/>
+          </a:stretch>
+        </p:blipFill>
+        <p:spPr>
+          <a:xfrm>
+            <a:off x="4714875" y="3025317"/>
+            <a:ext cx="2762250" cy="3333750"/>
+          </a:xfrm>
+          <a:prstGeom prst="rect">
+            <a:avLst/>
+          </a:prstGeom>
+        </p:spPr>
+      </p:pic>
+    </p:spTree>
+    <p:extLst>
+      <p:ext uri="{BB962C8B-B14F-4D97-AF65-F5344CB8AC3E}">
+        <p14:creationId xmlns:p14="http://schemas.microsoft.com/office/powerpoint/2010/main" val="2031258699"/>
+      </p:ext>
+    </p:extLst>
+  </p:cSld>
+  <p:clrMapOvr>
+    <a:masterClrMapping/>
+  </p:clrMapOvr>
+  <p:transition>
+    <p:fade/>
+  </p:transition>
+</p:sld>
+</file>
+
+<file path=ppt/slides/slide5.xml><?xml version="1.0" encoding="utf-8"?>
 <p:sld xmlns:a="http://schemas.openxmlformats.org/drawingml/2006/main" xmlns:r="http://schemas.openxmlformats.org/officeDocument/2006/relationships" xmlns:p="http://schemas.openxmlformats.org/presentationml/2006/main">
   <p:cSld>
     <p:spTree>
